--- a/Lecture PPTs - Students/25 Ch5.2 Fundamental Approach v20200926 SV.pptx
+++ b/Lecture PPTs - Students/25 Ch5.2 Fundamental Approach v20200926 SV.pptx
@@ -158,7 +158,7 @@
         </p:nvSpPr>
         <p:spPr>
           <a:xfrm>
-            <a:off x="0" y="0"/>
+            <a:off x="0" y="1"/>
             <a:ext cx="2971800" cy="458788"/>
           </a:xfrm>
           <a:prstGeom prst="rect">
@@ -189,7 +189,7 @@
         </p:nvSpPr>
         <p:spPr>
           <a:xfrm>
-            <a:off x="3884613" y="0"/>
+            <a:off x="3884613" y="1"/>
             <a:ext cx="2971800" cy="458788"/>
           </a:xfrm>
           <a:prstGeom prst="rect">
@@ -206,7 +206,7 @@
           <a:p>
             <a:fld id="{541B33E5-8C4C-4E85-BEBF-D3242DFF86DC}" type="datetimeFigureOut">
               <a:rPr lang="en-US" smtClean="0"/>
-              <a:t>5/24/2021</a:t>
+              <a:t>6/1/2022</a:t>
             </a:fld>
             <a:endParaRPr lang="en-US"/>
           </a:p>
@@ -257,8 +257,8 @@
         </p:nvSpPr>
         <p:spPr>
           <a:xfrm>
-            <a:off x="685800" y="4400550"/>
-            <a:ext cx="5486400" cy="3600450"/>
+            <a:off x="685800" y="4400549"/>
+            <a:ext cx="5486400" cy="3600451"/>
           </a:xfrm>
           <a:prstGeom prst="rect">
             <a:avLst/>
@@ -602,7 +602,7 @@
         </p:nvSpPr>
         <p:spPr bwMode="auto">
           <a:xfrm>
-            <a:off x="3970250" y="8829564"/>
+            <a:off x="3970251" y="8829565"/>
             <a:ext cx="3038956" cy="464713"/>
           </a:xfrm>
           <a:prstGeom prst="rect">
@@ -937,7 +937,7 @@
         </p:nvSpPr>
         <p:spPr bwMode="auto">
           <a:xfrm>
-            <a:off x="3970250" y="8829564"/>
+            <a:off x="3970251" y="8829565"/>
             <a:ext cx="3038956" cy="464713"/>
           </a:xfrm>
           <a:prstGeom prst="rect">
@@ -1272,7 +1272,7 @@
         </p:nvSpPr>
         <p:spPr bwMode="auto">
           <a:xfrm>
-            <a:off x="3970250" y="8829564"/>
+            <a:off x="3970251" y="8829565"/>
             <a:ext cx="3038956" cy="464713"/>
           </a:xfrm>
           <a:prstGeom prst="rect">
@@ -1607,7 +1607,7 @@
         </p:nvSpPr>
         <p:spPr bwMode="auto">
           <a:xfrm>
-            <a:off x="3970250" y="8829564"/>
+            <a:off x="3970251" y="8829565"/>
             <a:ext cx="3038956" cy="464713"/>
           </a:xfrm>
           <a:prstGeom prst="rect">
@@ -2510,7 +2510,7 @@
         </p:nvSpPr>
         <p:spPr bwMode="auto">
           <a:xfrm>
-            <a:off x="3974250" y="8831898"/>
+            <a:off x="3974250" y="8831899"/>
             <a:ext cx="3036150" cy="464503"/>
           </a:xfrm>
           <a:prstGeom prst="rect">
@@ -2843,7 +2843,7 @@
         </p:nvSpPr>
         <p:spPr bwMode="auto">
           <a:xfrm>
-            <a:off x="3970250" y="8829564"/>
+            <a:off x="3970251" y="8829565"/>
             <a:ext cx="3038956" cy="464713"/>
           </a:xfrm>
           <a:prstGeom prst="rect">
@@ -3102,11 +3102,28 @@
           <a:lstStyle/>
           <a:p>
             <a:r>
+              <a:rPr lang="en-US" altLang="en-US" b="1" i="1" dirty="0">
+                <a:highlight>
+                  <a:srgbClr val="FFFF00"/>
+                </a:highlight>
+                <a:latin typeface="Arial" panose="020B0604020202020204" pitchFamily="34" charset="0"/>
+                <a:cs typeface="Arial" panose="020B0604020202020204" pitchFamily="34" charset="0"/>
+              </a:rPr>
+              <a:t>Order of effectiveness, not priority!!!</a:t>
+            </a:r>
+            <a:r>
+              <a:rPr lang="en-US" altLang="en-US" b="1" i="1" dirty="0">
+                <a:latin typeface="Arial" panose="020B0604020202020204" pitchFamily="34" charset="0"/>
+                <a:cs typeface="Arial" panose="020B0604020202020204" pitchFamily="34" charset="0"/>
+              </a:rPr>
+              <a:t> </a:t>
+            </a:r>
+            <a:r>
               <a:rPr lang="en-US" altLang="en-US" dirty="0">
                 <a:latin typeface="Arial" panose="020B0604020202020204" pitchFamily="34" charset="0"/>
                 <a:cs typeface="Arial" panose="020B0604020202020204" pitchFamily="34" charset="0"/>
               </a:rPr>
-              <a:t>Order of effectiveness, not priority!!! Maybe you prioritize using PPE in a lab because it’s easy, but not the most effective way of reducing risk.</a:t>
+              <a:t>Maybe you prioritize using PPE in a lab because it’s easy, but not the most effective way of reducing risk.</a:t>
             </a:r>
           </a:p>
           <a:p>
@@ -3124,21 +3141,7 @@
                 <a:latin typeface="Arial" panose="020B0604020202020204" pitchFamily="34" charset="0"/>
                 <a:cs typeface="Arial" panose="020B0604020202020204" pitchFamily="34" charset="0"/>
               </a:rPr>
-              <a:t>Apply admin controls – organization and procedures (there’s a policy for when you wear </a:t>
-            </a:r>
-            <a:r>
-              <a:rPr lang="en-US" altLang="en-US" dirty="0" err="1">
-                <a:latin typeface="Arial" panose="020B0604020202020204" pitchFamily="34" charset="0"/>
-                <a:cs typeface="Arial" panose="020B0604020202020204" pitchFamily="34" charset="0"/>
-              </a:rPr>
-              <a:t>ppe</a:t>
-            </a:r>
-            <a:r>
-              <a:rPr lang="en-US" altLang="en-US" dirty="0">
-                <a:latin typeface="Arial" panose="020B0604020202020204" pitchFamily="34" charset="0"/>
-                <a:cs typeface="Arial" panose="020B0604020202020204" pitchFamily="34" charset="0"/>
-              </a:rPr>
-              <a:t>)</a:t>
+              <a:t>Apply admin controls – organization and procedures (there’s a policy for when you wear PPE)</a:t>
             </a:r>
           </a:p>
           <a:p>
@@ -3147,21 +3150,7 @@
                 <a:latin typeface="Arial" panose="020B0604020202020204" pitchFamily="34" charset="0"/>
                 <a:cs typeface="Arial" panose="020B0604020202020204" pitchFamily="34" charset="0"/>
               </a:rPr>
-              <a:t>PPE – work practices (I am wearing my </a:t>
-            </a:r>
-            <a:r>
-              <a:rPr lang="en-US" altLang="en-US" dirty="0" err="1">
-                <a:latin typeface="Arial" panose="020B0604020202020204" pitchFamily="34" charset="0"/>
-                <a:cs typeface="Arial" panose="020B0604020202020204" pitchFamily="34" charset="0"/>
-              </a:rPr>
-              <a:t>ppe</a:t>
-            </a:r>
-            <a:r>
-              <a:rPr lang="en-US" altLang="en-US" dirty="0">
-                <a:latin typeface="Arial" panose="020B0604020202020204" pitchFamily="34" charset="0"/>
-                <a:cs typeface="Arial" panose="020B0604020202020204" pitchFamily="34" charset="0"/>
-              </a:rPr>
-              <a:t>)</a:t>
+              <a:t>PPE – work practices (I am wearing my PPE)</a:t>
             </a:r>
           </a:p>
           <a:p>
@@ -3222,7 +3211,7 @@
         </p:nvSpPr>
         <p:spPr bwMode="auto">
           <a:xfrm>
-            <a:off x="3970250" y="8829564"/>
+            <a:off x="3970251" y="8829565"/>
             <a:ext cx="3038956" cy="464713"/>
           </a:xfrm>
           <a:prstGeom prst="rect">
@@ -3528,7 +3517,7 @@
         </p:nvSpPr>
         <p:spPr bwMode="auto">
           <a:xfrm>
-            <a:off x="3970250" y="8829564"/>
+            <a:off x="3970251" y="8829565"/>
             <a:ext cx="3038956" cy="464713"/>
           </a:xfrm>
           <a:prstGeom prst="rect">
@@ -3823,16 +3812,16 @@
                 <a:cs typeface="Arial"/>
                 <a:sym typeface="Arial"/>
               </a:rPr>
-              <a:t>-replace the brine with ethylene glycol (antifreeze) – substitute, or replace the ammonia with </a:t>
+              <a:t>- replace the brine with ethylene glycol (antifreeze) – substitute, or replace the ammonia with F</a:t>
             </a:r>
             <a:r>
-              <a:rPr lang="en-CA" dirty="0" err="1">
+              <a:rPr lang="en-US" altLang="zh-CN" dirty="0">
                 <a:latin typeface="Arial"/>
                 <a:ea typeface="Arial"/>
                 <a:cs typeface="Arial"/>
                 <a:sym typeface="Arial"/>
               </a:rPr>
-              <a:t>freeon</a:t>
+              <a:t>reon</a:t>
             </a:r>
             <a:r>
               <a:rPr lang="en-CA" dirty="0">
@@ -3862,25 +3851,7 @@
                 <a:cs typeface="Arial"/>
                 <a:sym typeface="Arial"/>
               </a:rPr>
-              <a:t>-use a more corrosion resistant heat exchanger (</a:t>
-            </a:r>
-            <a:r>
-              <a:rPr lang="en-CA" dirty="0" err="1">
-                <a:latin typeface="Arial"/>
-                <a:ea typeface="Arial"/>
-                <a:cs typeface="Arial"/>
-                <a:sym typeface="Arial"/>
-              </a:rPr>
-              <a:t>shellen</a:t>
-            </a:r>
-            <a:r>
-              <a:rPr lang="en-CA" dirty="0">
-                <a:latin typeface="Arial"/>
-                <a:ea typeface="Arial"/>
-                <a:cs typeface="Arial"/>
-                <a:sym typeface="Arial"/>
-              </a:rPr>
-              <a:t> tube?) - </a:t>
+              <a:t>- use a more corrosion resistant heat exchanger (shelled tube?) - </a:t>
             </a:r>
           </a:p>
           <a:p>
@@ -3932,7 +3903,7 @@
         </p:nvSpPr>
         <p:spPr bwMode="auto">
           <a:xfrm>
-            <a:off x="3970250" y="8829564"/>
+            <a:off x="3970251" y="8829565"/>
             <a:ext cx="3038956" cy="464713"/>
           </a:xfrm>
           <a:prstGeom prst="rect">
@@ -4734,7 +4705,7 @@
               <a:pPr>
                 <a:defRPr/>
               </a:pPr>
-              <a:t>5/24/2021</a:t>
+              <a:t>6/1/2022</a:t>
             </a:fld>
             <a:endParaRPr lang="en-US"/>
           </a:p>
@@ -5881,7 +5852,7 @@
               </a:rPr>
             </a:br>
             <a:r>
-              <a:rPr lang="en-CA" altLang="en-US" sz="3200" b="1" dirty="0" smtClean="0">
+              <a:rPr lang="en-CA" altLang="en-US" sz="3200" b="1" dirty="0">
                 <a:solidFill>
                   <a:schemeClr val="tx2"/>
                 </a:solidFill>
@@ -5891,14 +5862,6 @@
               </a:rPr>
               <a:t>(Hierarchy of Effectiveness)</a:t>
             </a:r>
-            <a:endParaRPr lang="en-CA" altLang="en-US" sz="3200" b="1" dirty="0">
-              <a:solidFill>
-                <a:schemeClr val="tx2"/>
-              </a:solidFill>
-              <a:latin typeface="Arial" panose="020B0604020202020204" pitchFamily="34" charset="0"/>
-              <a:ea typeface="ＭＳ Ｐゴシック" panose="020B0600070205080204" pitchFamily="34" charset="-128"/>
-              <a:cs typeface="Arial" panose="020B0604020202020204" pitchFamily="34" charset="0"/>
-            </a:endParaRPr>
           </a:p>
         </p:txBody>
       </p:sp>
@@ -7470,73 +7433,8 @@
                 <a:ea typeface="+mn-ea"/>
                 <a:cs typeface="Arial" panose="020B0604020202020204" pitchFamily="34" charset="0"/>
               </a:rPr>
-              <a:t>Key Difference Between </a:t>
+              <a:t>Key Difference Between Hierarchy of Effectiveness &amp; Order of Priority:</a:t>
             </a:r>
-            <a:r>
-              <a:rPr kumimoji="0" lang="en-CA" altLang="en-US" b="0" i="0" u="none" strike="noStrike" kern="1200" cap="none" spc="0" normalizeH="0" baseline="0" noProof="0" dirty="0" smtClean="0">
-                <a:ln>
-                  <a:noFill/>
-                </a:ln>
-                <a:solidFill>
-                  <a:srgbClr val="333399"/>
-                </a:solidFill>
-                <a:effectLst/>
-                <a:uLnTx/>
-                <a:uFillTx/>
-                <a:latin typeface="Arial" panose="020B0604020202020204" pitchFamily="34" charset="0"/>
-                <a:ea typeface="+mn-ea"/>
-                <a:cs typeface="Arial" panose="020B0604020202020204" pitchFamily="34" charset="0"/>
-              </a:rPr>
-              <a:t>Hierarchy </a:t>
-            </a:r>
-            <a:r>
-              <a:rPr kumimoji="0" lang="en-CA" altLang="en-US" b="0" i="0" u="none" strike="noStrike" kern="1200" cap="none" spc="0" normalizeH="0" baseline="0" noProof="0" dirty="0">
-                <a:ln>
-                  <a:noFill/>
-                </a:ln>
-                <a:solidFill>
-                  <a:srgbClr val="333399"/>
-                </a:solidFill>
-                <a:effectLst/>
-                <a:uLnTx/>
-                <a:uFillTx/>
-                <a:latin typeface="Arial" panose="020B0604020202020204" pitchFamily="34" charset="0"/>
-                <a:ea typeface="+mn-ea"/>
-                <a:cs typeface="Arial" panose="020B0604020202020204" pitchFamily="34" charset="0"/>
-              </a:rPr>
-              <a:t>of Effectiveness &amp; Order of </a:t>
-            </a:r>
-            <a:r>
-              <a:rPr kumimoji="0" lang="en-CA" altLang="en-US" b="0" i="0" u="none" strike="noStrike" kern="1200" cap="none" spc="0" normalizeH="0" baseline="0" noProof="0" dirty="0" smtClean="0">
-                <a:ln>
-                  <a:noFill/>
-                </a:ln>
-                <a:solidFill>
-                  <a:srgbClr val="333399"/>
-                </a:solidFill>
-                <a:effectLst/>
-                <a:uLnTx/>
-                <a:uFillTx/>
-                <a:latin typeface="Arial" panose="020B0604020202020204" pitchFamily="34" charset="0"/>
-                <a:ea typeface="+mn-ea"/>
-                <a:cs typeface="Arial" panose="020B0604020202020204" pitchFamily="34" charset="0"/>
-              </a:rPr>
-              <a:t>Priority:</a:t>
-            </a:r>
-            <a:endParaRPr kumimoji="0" lang="en-CA" altLang="en-US" b="0" i="0" u="none" strike="noStrike" kern="1200" cap="none" spc="0" normalizeH="0" baseline="0" noProof="0" dirty="0">
-              <a:ln>
-                <a:noFill/>
-              </a:ln>
-              <a:solidFill>
-                <a:srgbClr val="333399"/>
-              </a:solidFill>
-              <a:effectLst/>
-              <a:uLnTx/>
-              <a:uFillTx/>
-              <a:latin typeface="Arial" panose="020B0604020202020204" pitchFamily="34" charset="0"/>
-              <a:ea typeface="+mn-ea"/>
-              <a:cs typeface="Arial" panose="020B0604020202020204" pitchFamily="34" charset="0"/>
-            </a:endParaRPr>
           </a:p>
         </p:txBody>
       </p:sp>
@@ -8073,10 +7971,10 @@
                 <a:cs typeface="Arial"/>
                 <a:sym typeface="Arial"/>
               </a:rPr>
-              <a:t>Complex Effort </a:t>
+              <a:t>Complex Effort vs Gain Tool</a:t>
             </a:r>
             <a:r>
-              <a:rPr lang="en-US" b="1" i="1" kern="0" dirty="0" smtClean="0">
+              <a:rPr lang="en-US" i="1" kern="0" dirty="0">
                 <a:solidFill>
                   <a:srgbClr val="FFFFFF"/>
                 </a:solidFill>
@@ -8084,10 +7982,10 @@
                 <a:cs typeface="Arial"/>
                 <a:sym typeface="Arial"/>
               </a:rPr>
-              <a:t>vs </a:t>
+              <a:t> will be presented; this tool helps us to </a:t>
             </a:r>
             <a:r>
-              <a:rPr lang="en-US" b="1" i="1" kern="0" dirty="0">
+              <a:rPr lang="en-US" i="1" u="sng" kern="0" dirty="0">
                 <a:solidFill>
                   <a:srgbClr val="FFFFFF"/>
                 </a:solidFill>
@@ -8095,73 +7993,7 @@
                 <a:cs typeface="Arial"/>
                 <a:sym typeface="Arial"/>
               </a:rPr>
-              <a:t>Gain Tool</a:t>
-            </a:r>
-            <a:r>
-              <a:rPr lang="en-US" i="1" kern="0" dirty="0">
-                <a:solidFill>
-                  <a:srgbClr val="FFFFFF"/>
-                </a:solidFill>
-                <a:ea typeface="Arial"/>
-                <a:cs typeface="Arial"/>
-                <a:sym typeface="Arial"/>
-              </a:rPr>
-              <a:t> will be presented; this tool </a:t>
-            </a:r>
-            <a:r>
-              <a:rPr lang="en-US" i="1" kern="0" dirty="0" smtClean="0">
-                <a:solidFill>
-                  <a:srgbClr val="FFFFFF"/>
-                </a:solidFill>
-                <a:ea typeface="Arial"/>
-                <a:cs typeface="Arial"/>
-                <a:sym typeface="Arial"/>
-              </a:rPr>
-              <a:t>helps </a:t>
-            </a:r>
-            <a:r>
-              <a:rPr lang="en-US" i="1" kern="0" dirty="0">
-                <a:solidFill>
-                  <a:srgbClr val="FFFFFF"/>
-                </a:solidFill>
-                <a:ea typeface="Arial"/>
-                <a:cs typeface="Arial"/>
-                <a:sym typeface="Arial"/>
-              </a:rPr>
-              <a:t>us to </a:t>
-            </a:r>
-            <a:r>
-              <a:rPr lang="en-US" i="1" u="sng" kern="0" dirty="0">
-                <a:solidFill>
-                  <a:srgbClr val="FFFFFF"/>
-                </a:solidFill>
-                <a:ea typeface="Arial"/>
-                <a:cs typeface="Arial"/>
-                <a:sym typeface="Arial"/>
-              </a:rPr>
-              <a:t>prioritize </a:t>
-            </a:r>
-            <a:r>
-              <a:rPr lang="en-US" i="1" u="sng" kern="0" dirty="0" smtClean="0">
-                <a:solidFill>
-                  <a:srgbClr val="FFFFFF"/>
-                </a:solidFill>
-                <a:ea typeface="Arial"/>
-                <a:cs typeface="Arial"/>
-                <a:sym typeface="Arial"/>
-              </a:rPr>
-              <a:t>the  implementation </a:t>
-            </a:r>
-            <a:r>
-              <a:rPr lang="en-US" i="1" kern="0" dirty="0">
-                <a:solidFill>
-                  <a:srgbClr val="FFFFFF"/>
-                </a:solidFill>
-                <a:ea typeface="Arial"/>
-                <a:cs typeface="Arial"/>
-                <a:sym typeface="Arial"/>
-              </a:rPr>
-              <a:t/>
+              <a:t>prioritize the  implementation </a:t>
             </a:r>
             <a:br>
               <a:rPr lang="en-US" i="1" kern="0" dirty="0">
@@ -8200,13 +8032,6 @@
   <p:transition>
     <p:fade/>
   </p:transition>
-  <p:timing>
-    <p:tnLst>
-      <p:par>
-        <p:cTn id="1" dur="indefinite" restart="never" nodeType="tmRoot"/>
-      </p:par>
-    </p:tnLst>
-  </p:timing>
 </p:sld>
 </file>
 
@@ -8491,7 +8316,7 @@
               <a:defRPr/>
             </a:pPr>
             <a:r>
-              <a:rPr kumimoji="0" lang="en-CA" altLang="en-US" sz="2000" b="0" i="0" u="none" strike="noStrike" kern="1200" cap="none" spc="0" normalizeH="0" baseline="0" noProof="0" dirty="0" smtClean="0">
+              <a:rPr kumimoji="0" lang="en-CA" altLang="en-US" sz="2000" b="0" i="0" u="none" strike="noStrike" kern="1200" cap="none" spc="0" normalizeH="0" baseline="0" noProof="0" dirty="0">
                 <a:ln>
                   <a:noFill/>
                 </a:ln>
@@ -8505,41 +8330,7 @@
                 <a:ea typeface="ＭＳ Ｐゴシック" panose="020B0600070205080204" pitchFamily="34" charset="-128"/>
                 <a:cs typeface="Arial" panose="020B0604020202020204" pitchFamily="34" charset="0"/>
               </a:rPr>
-              <a:t>Explain two different approaches</a:t>
-            </a:r>
-            <a:r>
-              <a:rPr kumimoji="0" lang="en-CA" altLang="en-US" sz="2000" b="0" i="0" u="none" strike="noStrike" kern="1200" cap="none" spc="0" normalizeH="0" noProof="0" dirty="0" smtClean="0">
-                <a:ln>
-                  <a:noFill/>
-                </a:ln>
-                <a:solidFill>
-                  <a:srgbClr val="000000"/>
-                </a:solidFill>
-                <a:effectLst/>
-                <a:uLnTx/>
-                <a:uFillTx/>
-                <a:latin typeface="Arial" panose="020B0604020202020204" pitchFamily="34" charset="0"/>
-                <a:ea typeface="ＭＳ Ｐゴシック" panose="020B0600070205080204" pitchFamily="34" charset="-128"/>
-                <a:cs typeface="Arial" panose="020B0604020202020204" pitchFamily="34" charset="0"/>
-              </a:rPr>
-              <a:t> for a</a:t>
-            </a:r>
-            <a:r>
-              <a:rPr kumimoji="0" lang="en-CA" altLang="en-US" sz="2000" b="0" i="0" u="none" strike="noStrike" kern="1200" cap="none" spc="0" normalizeH="0" baseline="0" noProof="0" dirty="0" smtClean="0">
-                <a:ln>
-                  <a:noFill/>
-                </a:ln>
-                <a:solidFill>
-                  <a:srgbClr val="000000"/>
-                </a:solidFill>
-                <a:effectLst/>
-                <a:uLnTx/>
-                <a:uFillTx/>
-                <a:latin typeface="Arial" panose="020B0604020202020204" pitchFamily="34" charset="0"/>
-                <a:ea typeface="ＭＳ Ｐゴシック" panose="020B0600070205080204" pitchFamily="34" charset="-128"/>
-                <a:cs typeface="Arial" panose="020B0604020202020204" pitchFamily="34" charset="0"/>
-              </a:rPr>
-              <a:t> </a:t>
+              <a:t>Explain </a:t>
             </a:r>
             <a:r>
               <a:rPr kumimoji="0" lang="en-CA" altLang="en-US" sz="2000" b="0" i="0" u="none" strike="noStrike" kern="1200" cap="none" spc="0" normalizeH="0" baseline="0" noProof="0" dirty="0">
@@ -8550,16 +8341,19 @@
                   <a:srgbClr val="000000"/>
                 </a:solidFill>
                 <a:effectLst/>
+                <a:highlight>
+                  <a:srgbClr val="FFFF00"/>
+                </a:highlight>
                 <a:uLnTx/>
                 <a:uFillTx/>
                 <a:latin typeface="Arial" panose="020B0604020202020204" pitchFamily="34" charset="0"/>
                 <a:ea typeface="ＭＳ Ｐゴシック" panose="020B0600070205080204" pitchFamily="34" charset="-128"/>
                 <a:cs typeface="Arial" panose="020B0604020202020204" pitchFamily="34" charset="0"/>
               </a:rPr>
-              <a:t>Risk Reduction </a:t>
+              <a:t>two different approaches</a:t>
             </a:r>
             <a:r>
-              <a:rPr kumimoji="0" lang="en-CA" altLang="en-US" sz="2000" b="0" i="0" u="none" strike="noStrike" kern="1200" cap="none" spc="0" normalizeH="0" baseline="0" noProof="0" dirty="0" smtClean="0">
+              <a:rPr kumimoji="0" lang="en-CA" altLang="en-US" sz="2000" b="0" i="0" u="none" strike="noStrike" kern="1200" cap="none" spc="0" normalizeH="0" noProof="0" dirty="0">
                 <a:ln>
                   <a:noFill/>
                 </a:ln>
@@ -8573,7 +8367,24 @@
                 <a:ea typeface="ＭＳ Ｐゴシック" panose="020B0600070205080204" pitchFamily="34" charset="-128"/>
                 <a:cs typeface="Arial" panose="020B0604020202020204" pitchFamily="34" charset="0"/>
               </a:rPr>
-              <a:t>Hierarchy:</a:t>
+              <a:t> for a</a:t>
+            </a:r>
+            <a:r>
+              <a:rPr kumimoji="0" lang="en-CA" altLang="en-US" sz="2000" b="0" i="0" u="none" strike="noStrike" kern="1200" cap="none" spc="0" normalizeH="0" baseline="0" noProof="0" dirty="0">
+                <a:ln>
+                  <a:noFill/>
+                </a:ln>
+                <a:solidFill>
+                  <a:srgbClr val="000000"/>
+                </a:solidFill>
+                <a:effectLst/>
+                <a:uLnTx/>
+                <a:uFillTx/>
+                <a:latin typeface="Arial" panose="020B0604020202020204" pitchFamily="34" charset="0"/>
+                <a:ea typeface="ＭＳ Ｐゴシック" panose="020B0600070205080204" pitchFamily="34" charset="-128"/>
+                <a:cs typeface="Arial" panose="020B0604020202020204" pitchFamily="34" charset="0"/>
+              </a:rPr>
+              <a:t> Risk Reduction Hierarchy:</a:t>
             </a:r>
           </a:p>
           <a:p>
@@ -8594,15 +8405,29 @@
               <a:defRPr/>
             </a:pPr>
             <a:r>
-              <a:rPr lang="en-CA" altLang="en-US" dirty="0" smtClean="0">
+              <a:rPr lang="en-CA" altLang="en-US" dirty="0">
                 <a:solidFill>
                   <a:srgbClr val="000000"/>
                 </a:solidFill>
+                <a:highlight>
+                  <a:srgbClr val="FFFF00"/>
+                </a:highlight>
                 <a:latin typeface="Arial" panose="020B0604020202020204" pitchFamily="34" charset="0"/>
                 <a:ea typeface="ＭＳ Ｐゴシック" panose="020B0600070205080204" pitchFamily="34" charset="-128"/>
                 <a:cs typeface="Arial" panose="020B0604020202020204" pitchFamily="34" charset="0"/>
               </a:rPr>
-              <a:t>AB OH&amp;S Code Part 2 Hazard Assessment, Elimination, and Control</a:t>
+              <a:t>AB OH&amp;S Code Part 2</a:t>
+            </a:r>
+            <a:r>
+              <a:rPr lang="en-CA" altLang="en-US" dirty="0">
+                <a:solidFill>
+                  <a:srgbClr val="000000"/>
+                </a:solidFill>
+                <a:latin typeface="Arial" panose="020B0604020202020204" pitchFamily="34" charset="0"/>
+                <a:ea typeface="ＭＳ Ｐゴシック" panose="020B0600070205080204" pitchFamily="34" charset="-128"/>
+                <a:cs typeface="Arial" panose="020B0604020202020204" pitchFamily="34" charset="0"/>
+              </a:rPr>
+              <a:t> Hazard Assessment, Elimination, and Control</a:t>
             </a:r>
           </a:p>
           <a:p>
@@ -8627,14 +8452,17 @@
                 <a:solidFill>
                   <a:srgbClr val="000000"/>
                 </a:solidFill>
+                <a:highlight>
+                  <a:srgbClr val="FFFF00"/>
+                </a:highlight>
                 <a:latin typeface="Arial" panose="020B0604020202020204" pitchFamily="34" charset="0"/>
                 <a:ea typeface="ＭＳ Ｐゴシック" panose="020B0600070205080204" pitchFamily="34" charset="-128"/>
                 <a:cs typeface="Arial" panose="020B0604020202020204" pitchFamily="34" charset="0"/>
               </a:rPr>
-              <a:t>ANSI Z10-2012: Risk Reduction Hierarchy </a:t>
+              <a:t>ANSI Z10-2012</a:t>
             </a:r>
             <a:r>
-              <a:rPr lang="en-US" altLang="en-US">
+              <a:rPr lang="en-US" altLang="en-US" dirty="0">
                 <a:solidFill>
                   <a:srgbClr val="000000"/>
                 </a:solidFill>
@@ -8642,20 +8470,59 @@
                 <a:ea typeface="ＭＳ Ｐゴシック" panose="020B0600070205080204" pitchFamily="34" charset="-128"/>
                 <a:cs typeface="Arial" panose="020B0604020202020204" pitchFamily="34" charset="0"/>
               </a:rPr>
-              <a:t>&amp; </a:t>
+              <a:t>: </a:t>
             </a:r>
             <a:r>
-              <a:rPr lang="en-US" altLang="en-US" smtClean="0">
+              <a:rPr lang="en-US" altLang="en-US" dirty="0">
                 <a:solidFill>
                   <a:srgbClr val="000000"/>
                 </a:solidFill>
+                <a:highlight>
+                  <a:srgbClr val="FFFF00"/>
+                </a:highlight>
                 <a:latin typeface="Arial" panose="020B0604020202020204" pitchFamily="34" charset="0"/>
                 <a:ea typeface="ＭＳ Ｐゴシック" panose="020B0600070205080204" pitchFamily="34" charset="-128"/>
                 <a:cs typeface="Arial" panose="020B0604020202020204" pitchFamily="34" charset="0"/>
               </a:rPr>
-              <a:t>Hierarchy of Effectiveness</a:t>
+              <a:t>Risk Reduction Hierarchy</a:t>
             </a:r>
-            <a:endParaRPr lang="en-CA" altLang="en-US" dirty="0" smtClean="0">
+            <a:r>
+              <a:rPr lang="en-US" altLang="en-US" dirty="0">
+                <a:solidFill>
+                  <a:srgbClr val="000000"/>
+                </a:solidFill>
+                <a:latin typeface="Arial" panose="020B0604020202020204" pitchFamily="34" charset="0"/>
+                <a:ea typeface="ＭＳ Ｐゴシック" panose="020B0600070205080204" pitchFamily="34" charset="-128"/>
+                <a:cs typeface="Arial" panose="020B0604020202020204" pitchFamily="34" charset="0"/>
+              </a:rPr>
+              <a:t> &amp; </a:t>
+            </a:r>
+            <a:r>
+              <a:rPr lang="en-US" altLang="en-US" dirty="0">
+                <a:solidFill>
+                  <a:srgbClr val="000000"/>
+                </a:solidFill>
+                <a:highlight>
+                  <a:srgbClr val="FFFF00"/>
+                </a:highlight>
+                <a:latin typeface="Arial" panose="020B0604020202020204" pitchFamily="34" charset="0"/>
+                <a:ea typeface="ＭＳ Ｐゴシック" panose="020B0600070205080204" pitchFamily="34" charset="-128"/>
+                <a:cs typeface="Arial" panose="020B0604020202020204" pitchFamily="34" charset="0"/>
+              </a:rPr>
+              <a:t>Hierarchy</a:t>
+            </a:r>
+            <a:r>
+              <a:rPr lang="en-US" altLang="en-US" dirty="0">
+                <a:solidFill>
+                  <a:srgbClr val="000000"/>
+                </a:solidFill>
+                <a:latin typeface="Arial" panose="020B0604020202020204" pitchFamily="34" charset="0"/>
+                <a:ea typeface="ＭＳ Ｐゴシック" panose="020B0600070205080204" pitchFamily="34" charset="-128"/>
+                <a:cs typeface="Arial" panose="020B0604020202020204" pitchFamily="34" charset="0"/>
+              </a:rPr>
+              <a:t> of Effectiveness</a:t>
+            </a:r>
+            <a:endParaRPr lang="en-CA" altLang="en-US" dirty="0">
               <a:solidFill>
                 <a:srgbClr val="000000"/>
               </a:solidFill>
@@ -8681,7 +8548,7 @@
               <a:buChar char="Ø"/>
               <a:defRPr/>
             </a:pPr>
-            <a:endParaRPr kumimoji="0" lang="en-CA" altLang="en-US" sz="2000" b="0" i="0" u="none" strike="noStrike" kern="1200" cap="none" spc="0" normalizeH="0" baseline="0" noProof="0" dirty="0" smtClean="0">
+            <a:endParaRPr kumimoji="0" lang="en-CA" altLang="en-US" sz="2000" b="0" i="0" u="none" strike="noStrike" kern="1200" cap="none" spc="0" normalizeH="0" baseline="0" noProof="0" dirty="0">
               <a:ln>
                 <a:noFill/>
               </a:ln>
@@ -8718,14 +8585,17 @@
                 <a:solidFill>
                   <a:srgbClr val="000000"/>
                 </a:solidFill>
+                <a:highlight>
+                  <a:srgbClr val="FFFF00"/>
+                </a:highlight>
                 <a:latin typeface="Arial" panose="020B0604020202020204" pitchFamily="34" charset="0"/>
                 <a:ea typeface="ＭＳ Ｐゴシック" panose="020B0600070205080204" pitchFamily="34" charset="-128"/>
                 <a:cs typeface="Arial" panose="020B0604020202020204" pitchFamily="34" charset="0"/>
               </a:rPr>
-              <a:t>Apply the two different approaches to </a:t>
+              <a:t>Apply</a:t>
             </a:r>
             <a:r>
-              <a:rPr lang="en-CA" altLang="en-US" b="1" u="sng" dirty="0" smtClean="0">
+              <a:rPr lang="en-CA" altLang="en-US" dirty="0">
                 <a:solidFill>
                   <a:srgbClr val="000000"/>
                 </a:solidFill>
@@ -8733,18 +8603,32 @@
                 <a:ea typeface="ＭＳ Ｐゴシック" panose="020B0600070205080204" pitchFamily="34" charset="-128"/>
                 <a:cs typeface="Arial" panose="020B0604020202020204" pitchFamily="34" charset="0"/>
               </a:rPr>
-              <a:t>identify</a:t>
+              <a:t> the two different approaches to </a:t>
             </a:r>
             <a:r>
               <a:rPr lang="en-CA" altLang="en-US" b="1" u="sng" dirty="0">
                 <a:solidFill>
                   <a:srgbClr val="000000"/>
                 </a:solidFill>
+                <a:highlight>
+                  <a:srgbClr val="FFFF00"/>
+                </a:highlight>
                 <a:latin typeface="Arial" panose="020B0604020202020204" pitchFamily="34" charset="0"/>
                 <a:ea typeface="ＭＳ Ｐゴシック" panose="020B0600070205080204" pitchFamily="34" charset="-128"/>
                 <a:cs typeface="Arial" panose="020B0604020202020204" pitchFamily="34" charset="0"/>
               </a:rPr>
-              <a:t>, evaluate, and select </a:t>
+              <a:t>identify, evaluate, and select</a:t>
+            </a:r>
+            <a:r>
+              <a:rPr lang="en-CA" altLang="en-US" b="1" u="sng" dirty="0">
+                <a:solidFill>
+                  <a:srgbClr val="000000"/>
+                </a:solidFill>
+                <a:latin typeface="Arial" panose="020B0604020202020204" pitchFamily="34" charset="0"/>
+                <a:ea typeface="ＭＳ Ｐゴシック" panose="020B0600070205080204" pitchFamily="34" charset="-128"/>
+                <a:cs typeface="Arial" panose="020B0604020202020204" pitchFamily="34" charset="0"/>
+              </a:rPr>
+              <a:t> </a:t>
             </a:r>
             <a:r>
               <a:rPr lang="en-CA" altLang="en-US" dirty="0">
@@ -8755,18 +8639,57 @@
                 <a:ea typeface="ＭＳ Ｐゴシック" panose="020B0600070205080204" pitchFamily="34" charset="-128"/>
                 <a:cs typeface="Arial" panose="020B0604020202020204" pitchFamily="34" charset="0"/>
               </a:rPr>
-              <a:t>the most effective risk reduction </a:t>
+              <a:t>the </a:t>
             </a:r>
             <a:r>
-              <a:rPr lang="en-CA" altLang="en-US" dirty="0" smtClean="0">
+              <a:rPr lang="en-CA" altLang="en-US" dirty="0">
                 <a:solidFill>
                   <a:srgbClr val="000000"/>
                 </a:solidFill>
+                <a:highlight>
+                  <a:srgbClr val="FFFF00"/>
+                </a:highlight>
                 <a:latin typeface="Arial" panose="020B0604020202020204" pitchFamily="34" charset="0"/>
                 <a:ea typeface="ＭＳ Ｐゴシック" panose="020B0600070205080204" pitchFamily="34" charset="-128"/>
                 <a:cs typeface="Arial" panose="020B0604020202020204" pitchFamily="34" charset="0"/>
               </a:rPr>
-              <a:t>solution(s).</a:t>
+              <a:t>most effective</a:t>
+            </a:r>
+            <a:r>
+              <a:rPr lang="en-CA" altLang="en-US" dirty="0">
+                <a:solidFill>
+                  <a:srgbClr val="000000"/>
+                </a:solidFill>
+                <a:latin typeface="Arial" panose="020B0604020202020204" pitchFamily="34" charset="0"/>
+                <a:ea typeface="ＭＳ Ｐゴシック" panose="020B0600070205080204" pitchFamily="34" charset="-128"/>
+                <a:cs typeface="Arial" panose="020B0604020202020204" pitchFamily="34" charset="0"/>
+              </a:rPr>
+              <a:t> </a:t>
+            </a:r>
+            <a:r>
+              <a:rPr lang="en-CA" altLang="en-US" dirty="0">
+                <a:solidFill>
+                  <a:srgbClr val="000000"/>
+                </a:solidFill>
+                <a:highlight>
+                  <a:srgbClr val="FFFF00"/>
+                </a:highlight>
+                <a:latin typeface="Arial" panose="020B0604020202020204" pitchFamily="34" charset="0"/>
+                <a:ea typeface="ＭＳ Ｐゴシック" panose="020B0600070205080204" pitchFamily="34" charset="-128"/>
+                <a:cs typeface="Arial" panose="020B0604020202020204" pitchFamily="34" charset="0"/>
+              </a:rPr>
+              <a:t>risk reduction solution</a:t>
+            </a:r>
+            <a:r>
+              <a:rPr lang="en-CA" altLang="en-US" dirty="0">
+                <a:solidFill>
+                  <a:srgbClr val="000000"/>
+                </a:solidFill>
+                <a:latin typeface="Arial" panose="020B0604020202020204" pitchFamily="34" charset="0"/>
+                <a:ea typeface="ＭＳ Ｐゴシック" panose="020B0600070205080204" pitchFamily="34" charset="-128"/>
+                <a:cs typeface="Arial" panose="020B0604020202020204" pitchFamily="34" charset="0"/>
+              </a:rPr>
+              <a:t>(s).</a:t>
             </a:r>
           </a:p>
           <a:p>
@@ -8813,7 +8736,7 @@
               <a:defRPr/>
             </a:pPr>
             <a:r>
-              <a:rPr lang="en-CA" altLang="en-US" dirty="0" smtClean="0">
+              <a:rPr lang="en-CA" altLang="en-US" dirty="0">
                 <a:solidFill>
                   <a:srgbClr val="000000"/>
                 </a:solidFill>
@@ -8823,14 +8746,6 @@
               </a:rPr>
               <a:t>Explain that order of effectiveness is NOT an order of priority.</a:t>
             </a:r>
-            <a:endParaRPr lang="en-CA" altLang="en-US" dirty="0">
-              <a:solidFill>
-                <a:srgbClr val="000000"/>
-              </a:solidFill>
-              <a:latin typeface="Arial" panose="020B0604020202020204" pitchFamily="34" charset="0"/>
-              <a:ea typeface="ＭＳ Ｐゴシック" panose="020B0600070205080204" pitchFamily="34" charset="-128"/>
-              <a:cs typeface="Arial" panose="020B0604020202020204" pitchFamily="34" charset="0"/>
-            </a:endParaRPr>
           </a:p>
           <a:p>
             <a:pPr marL="0" indent="0" eaLnBrk="0" fontAlgn="base" hangingPunct="0">
@@ -8849,7 +8764,7 @@
               <a:defRPr/>
             </a:pPr>
             <a:r>
-              <a:rPr kumimoji="0" lang="en-CA" altLang="en-US" sz="2000" b="0" i="0" u="none" strike="noStrike" kern="1200" cap="none" spc="0" normalizeH="0" baseline="0" noProof="0" dirty="0" smtClean="0">
+              <a:rPr kumimoji="0" lang="en-CA" altLang="en-US" sz="2000" b="0" i="0" u="none" strike="noStrike" kern="1200" cap="none" spc="0" normalizeH="0" baseline="0" noProof="0" dirty="0">
                 <a:ln>
                   <a:noFill/>
                 </a:ln>
@@ -9110,7 +9025,7 @@
               <a:defRPr/>
             </a:pPr>
             <a:r>
-              <a:rPr kumimoji="0" lang="en-CA" altLang="en-US" sz="2400" b="0" i="0" u="none" strike="noStrike" kern="1200" cap="none" spc="0" normalizeH="0" baseline="0" noProof="0" dirty="0" smtClean="0">
+              <a:rPr kumimoji="0" lang="en-CA" altLang="en-US" sz="2400" b="0" i="0" u="none" strike="noStrike" kern="1200" cap="none" spc="0" normalizeH="0" baseline="0" noProof="0" dirty="0">
                 <a:ln>
                   <a:noFill/>
                 </a:ln>
@@ -9126,20 +9041,6 @@
               </a:rPr>
               <a:t>Learning Outcomes:</a:t>
             </a:r>
-            <a:endParaRPr kumimoji="0" lang="en-CA" altLang="en-US" sz="2400" b="0" i="0" u="none" strike="noStrike" kern="1200" cap="none" spc="0" normalizeH="0" baseline="0" noProof="0" dirty="0">
-              <a:ln>
-                <a:noFill/>
-              </a:ln>
-              <a:solidFill>
-                <a:srgbClr val="333399"/>
-              </a:solidFill>
-              <a:effectLst/>
-              <a:uLnTx/>
-              <a:uFillTx/>
-              <a:latin typeface="Arial" panose="020B0604020202020204" pitchFamily="34" charset="0"/>
-              <a:ea typeface="+mn-ea"/>
-              <a:cs typeface="Arial" panose="020B0604020202020204" pitchFamily="34" charset="0"/>
-            </a:endParaRPr>
           </a:p>
         </p:txBody>
       </p:sp>
@@ -9765,32 +9666,24 @@
                 <a:ea typeface="ＭＳ Ｐゴシック" panose="020B0600070205080204" pitchFamily="34" charset="-128"/>
                 <a:cs typeface="Arial" panose="020B0604020202020204" pitchFamily="34" charset="0"/>
               </a:rPr>
-              <a:t>You want to implement the most effective risk reduction solutions </a:t>
-            </a:r>
-            <a:r>
-              <a:rPr lang="en-CA" altLang="en-US" dirty="0" smtClean="0">
-                <a:solidFill>
-                  <a:srgbClr val="000000"/>
-                </a:solidFill>
-                <a:latin typeface="Arial" panose="020B0604020202020204" pitchFamily="34" charset="0"/>
-                <a:ea typeface="ＭＳ Ｐゴシック" panose="020B0600070205080204" pitchFamily="34" charset="-128"/>
-                <a:cs typeface="Arial" panose="020B0604020202020204" pitchFamily="34" charset="0"/>
-              </a:rPr>
-              <a:t>i.e. the safeguards or control measures in the form of engineering </a:t>
+              <a:t>You </a:t>
             </a:r>
             <a:r>
               <a:rPr lang="en-CA" altLang="en-US" dirty="0">
                 <a:solidFill>
                   <a:srgbClr val="000000"/>
                 </a:solidFill>
+                <a:highlight>
+                  <a:srgbClr val="FFFF00"/>
+                </a:highlight>
                 <a:latin typeface="Arial" panose="020B0604020202020204" pitchFamily="34" charset="0"/>
                 <a:ea typeface="ＭＳ Ｐゴシック" panose="020B0600070205080204" pitchFamily="34" charset="-128"/>
                 <a:cs typeface="Arial" panose="020B0604020202020204" pitchFamily="34" charset="0"/>
               </a:rPr>
-              <a:t>controls &amp; administrative </a:t>
+              <a:t>want to implement</a:t>
             </a:r>
             <a:r>
-              <a:rPr lang="en-CA" altLang="en-US" dirty="0" smtClean="0">
+              <a:rPr lang="en-CA" altLang="en-US" dirty="0">
                 <a:solidFill>
                   <a:srgbClr val="000000"/>
                 </a:solidFill>
@@ -9798,16 +9691,58 @@
                 <a:ea typeface="ＭＳ Ｐゴシック" panose="020B0600070205080204" pitchFamily="34" charset="-128"/>
                 <a:cs typeface="Arial" panose="020B0604020202020204" pitchFamily="34" charset="0"/>
               </a:rPr>
-              <a:t>controls.</a:t>
+              <a:t> the </a:t>
             </a:r>
-            <a:endParaRPr lang="en-CA" altLang="en-US" dirty="0">
-              <a:solidFill>
-                <a:srgbClr val="000000"/>
-              </a:solidFill>
-              <a:latin typeface="Arial" panose="020B0604020202020204" pitchFamily="34" charset="0"/>
-              <a:ea typeface="ＭＳ Ｐゴシック" panose="020B0600070205080204" pitchFamily="34" charset="-128"/>
-              <a:cs typeface="Arial" panose="020B0604020202020204" pitchFamily="34" charset="0"/>
-            </a:endParaRPr>
+            <a:r>
+              <a:rPr lang="en-CA" altLang="en-US" dirty="0">
+                <a:solidFill>
+                  <a:srgbClr val="000000"/>
+                </a:solidFill>
+                <a:highlight>
+                  <a:srgbClr val="FFFF00"/>
+                </a:highlight>
+                <a:latin typeface="Arial" panose="020B0604020202020204" pitchFamily="34" charset="0"/>
+                <a:ea typeface="ＭＳ Ｐゴシック" panose="020B0600070205080204" pitchFamily="34" charset="-128"/>
+                <a:cs typeface="Arial" panose="020B0604020202020204" pitchFamily="34" charset="0"/>
+              </a:rPr>
+              <a:t>most effective</a:t>
+            </a:r>
+            <a:r>
+              <a:rPr lang="en-CA" altLang="en-US" dirty="0">
+                <a:solidFill>
+                  <a:srgbClr val="000000"/>
+                </a:solidFill>
+                <a:latin typeface="Arial" panose="020B0604020202020204" pitchFamily="34" charset="0"/>
+                <a:ea typeface="ＭＳ Ｐゴシック" panose="020B0600070205080204" pitchFamily="34" charset="-128"/>
+                <a:cs typeface="Arial" panose="020B0604020202020204" pitchFamily="34" charset="0"/>
+              </a:rPr>
+              <a:t> risk reduction </a:t>
+            </a:r>
+            <a:r>
+              <a:rPr lang="en-CA" altLang="en-US" dirty="0">
+                <a:solidFill>
+                  <a:srgbClr val="000000"/>
+                </a:solidFill>
+                <a:highlight>
+                  <a:srgbClr val="FFFF00"/>
+                </a:highlight>
+                <a:latin typeface="Arial" panose="020B0604020202020204" pitchFamily="34" charset="0"/>
+                <a:ea typeface="ＭＳ Ｐゴシック" panose="020B0600070205080204" pitchFamily="34" charset="-128"/>
+                <a:cs typeface="Arial" panose="020B0604020202020204" pitchFamily="34" charset="0"/>
+              </a:rPr>
+              <a:t>solutions</a:t>
+            </a:r>
+            <a:r>
+              <a:rPr lang="en-CA" altLang="en-US" dirty="0">
+                <a:solidFill>
+                  <a:srgbClr val="000000"/>
+                </a:solidFill>
+                <a:latin typeface="Arial" panose="020B0604020202020204" pitchFamily="34" charset="0"/>
+                <a:ea typeface="ＭＳ Ｐゴシック" panose="020B0600070205080204" pitchFamily="34" charset="-128"/>
+                <a:cs typeface="Arial" panose="020B0604020202020204" pitchFamily="34" charset="0"/>
+              </a:rPr>
+              <a:t> i.e. the safeguards or control measures in the form of engineering controls &amp; administrative controls.</a:t>
+            </a:r>
           </a:p>
           <a:p>
             <a:pPr marL="360000" lvl="0" indent="-360000" eaLnBrk="0" fontAlgn="base" hangingPunct="0">
@@ -9857,11 +9792,25 @@
                 <a:solidFill>
                   <a:srgbClr val="000000"/>
                 </a:solidFill>
+                <a:highlight>
+                  <a:srgbClr val="FFFF00"/>
+                </a:highlight>
                 <a:latin typeface="Arial" panose="020B0604020202020204" pitchFamily="34" charset="0"/>
                 <a:ea typeface="ＭＳ Ｐゴシック" panose="020B0600070205080204" pitchFamily="34" charset="-128"/>
                 <a:cs typeface="Arial" panose="020B0604020202020204" pitchFamily="34" charset="0"/>
               </a:rPr>
-              <a:t>How do you </a:t>
+              <a:t>How</a:t>
+            </a:r>
+            <a:r>
+              <a:rPr lang="en-CA" altLang="en-US" dirty="0">
+                <a:solidFill>
+                  <a:srgbClr val="000000"/>
+                </a:solidFill>
+                <a:latin typeface="Arial" panose="020B0604020202020204" pitchFamily="34" charset="0"/>
+                <a:ea typeface="ＭＳ Ｐゴシック" panose="020B0600070205080204" pitchFamily="34" charset="-128"/>
+                <a:cs typeface="Arial" panose="020B0604020202020204" pitchFamily="34" charset="0"/>
+              </a:rPr>
+              <a:t> do you </a:t>
             </a:r>
             <a:r>
               <a:rPr lang="en-CA" altLang="en-US" b="1" u="sng" dirty="0">
@@ -9883,7 +9832,32 @@
                 <a:ea typeface="ＭＳ Ｐゴシック" panose="020B0600070205080204" pitchFamily="34" charset="-128"/>
                 <a:cs typeface="Arial" panose="020B0604020202020204" pitchFamily="34" charset="0"/>
               </a:rPr>
-              <a:t>the most effective risk reduction solutions </a:t>
+              <a:t>the </a:t>
+            </a:r>
+            <a:r>
+              <a:rPr lang="en-CA" altLang="en-US" dirty="0">
+                <a:solidFill>
+                  <a:srgbClr val="000000"/>
+                </a:solidFill>
+                <a:highlight>
+                  <a:srgbClr val="FFFF00"/>
+                </a:highlight>
+                <a:latin typeface="Arial" panose="020B0604020202020204" pitchFamily="34" charset="0"/>
+                <a:ea typeface="ＭＳ Ｐゴシック" panose="020B0600070205080204" pitchFamily="34" charset="-128"/>
+                <a:cs typeface="Arial" panose="020B0604020202020204" pitchFamily="34" charset="0"/>
+              </a:rPr>
+              <a:t>most effective</a:t>
+            </a:r>
+            <a:r>
+              <a:rPr lang="en-CA" altLang="en-US" dirty="0">
+                <a:solidFill>
+                  <a:srgbClr val="000000"/>
+                </a:solidFill>
+                <a:latin typeface="Arial" panose="020B0604020202020204" pitchFamily="34" charset="0"/>
+                <a:ea typeface="ＭＳ Ｐゴシック" panose="020B0600070205080204" pitchFamily="34" charset="-128"/>
+                <a:cs typeface="Arial" panose="020B0604020202020204" pitchFamily="34" charset="0"/>
+              </a:rPr>
+              <a:t> risk reduction solutions </a:t>
             </a:r>
             <a:r>
               <a:rPr lang="en-US" altLang="en-US" sz="1800" dirty="0">
@@ -9964,15 +9938,54 @@
               <a:t>The </a:t>
             </a:r>
             <a:r>
-              <a:rPr lang="en-US" altLang="en-US" dirty="0" smtClean="0">
+              <a:rPr lang="en-US" altLang="en-US" dirty="0">
                 <a:solidFill>
                   <a:srgbClr val="000000"/>
                 </a:solidFill>
+                <a:highlight>
+                  <a:srgbClr val="FFFF00"/>
+                </a:highlight>
                 <a:latin typeface="Arial" panose="020B0604020202020204" pitchFamily="34" charset="0"/>
                 <a:ea typeface="ＭＳ Ｐゴシック" panose="020B0600070205080204" pitchFamily="34" charset="-128"/>
                 <a:cs typeface="Arial" panose="020B0604020202020204" pitchFamily="34" charset="0"/>
               </a:rPr>
-              <a:t>fundamental approach to control all risks is simply a hierarchy.</a:t>
+              <a:t>fundamental approach</a:t>
+            </a:r>
+            <a:r>
+              <a:rPr lang="en-US" altLang="en-US" dirty="0">
+                <a:solidFill>
+                  <a:srgbClr val="000000"/>
+                </a:solidFill>
+                <a:latin typeface="Arial" panose="020B0604020202020204" pitchFamily="34" charset="0"/>
+                <a:ea typeface="ＭＳ Ｐゴシック" panose="020B0600070205080204" pitchFamily="34" charset="-128"/>
+                <a:cs typeface="Arial" panose="020B0604020202020204" pitchFamily="34" charset="0"/>
+              </a:rPr>
+              <a:t> to control all risks is </a:t>
+            </a:r>
+            <a:r>
+              <a:rPr lang="en-US" altLang="en-US" dirty="0">
+                <a:solidFill>
+                  <a:srgbClr val="000000"/>
+                </a:solidFill>
+                <a:highlight>
+                  <a:srgbClr val="FFFF00"/>
+                </a:highlight>
+                <a:latin typeface="Arial" panose="020B0604020202020204" pitchFamily="34" charset="0"/>
+                <a:ea typeface="ＭＳ Ｐゴシック" panose="020B0600070205080204" pitchFamily="34" charset="-128"/>
+                <a:cs typeface="Arial" panose="020B0604020202020204" pitchFamily="34" charset="0"/>
+              </a:rPr>
+              <a:t>simply a hierarchy</a:t>
+            </a:r>
+            <a:r>
+              <a:rPr lang="en-US" altLang="en-US" dirty="0">
+                <a:solidFill>
+                  <a:srgbClr val="000000"/>
+                </a:solidFill>
+                <a:latin typeface="Arial" panose="020B0604020202020204" pitchFamily="34" charset="0"/>
+                <a:ea typeface="ＭＳ Ｐゴシック" panose="020B0600070205080204" pitchFamily="34" charset="-128"/>
+                <a:cs typeface="Arial" panose="020B0604020202020204" pitchFamily="34" charset="0"/>
+              </a:rPr>
+              <a:t>.</a:t>
             </a:r>
           </a:p>
           <a:p>
@@ -10025,7 +10038,7 @@
               <a:defRPr/>
             </a:pPr>
             <a:r>
-              <a:rPr lang="en-US" altLang="en-US" dirty="0" smtClean="0">
+              <a:rPr lang="en-US" altLang="en-US" dirty="0">
                 <a:solidFill>
                   <a:srgbClr val="000000"/>
                 </a:solidFill>
@@ -10091,29 +10104,7 @@
                 <a:ea typeface="ＭＳ Ｐゴシック" panose="020B0600070205080204" pitchFamily="34" charset="-128"/>
                 <a:cs typeface="Arial" panose="020B0604020202020204" pitchFamily="34" charset="0"/>
               </a:rPr>
-              <a:t>ANSI Z10-2012: Risk Reduction Hierarchy </a:t>
-            </a:r>
-            <a:r>
-              <a:rPr lang="en-US" altLang="en-US" sz="1800">
-                <a:solidFill>
-                  <a:srgbClr val="000000"/>
-                </a:solidFill>
-                <a:latin typeface="Arial" panose="020B0604020202020204" pitchFamily="34" charset="0"/>
-                <a:ea typeface="ＭＳ Ｐゴシック" panose="020B0600070205080204" pitchFamily="34" charset="-128"/>
-                <a:cs typeface="Arial" panose="020B0604020202020204" pitchFamily="34" charset="0"/>
-              </a:rPr>
-              <a:t>&amp; </a:t>
-            </a:r>
-            <a:r>
-              <a:rPr lang="en-US" altLang="en-US" sz="1800" smtClean="0">
-                <a:solidFill>
-                  <a:srgbClr val="000000"/>
-                </a:solidFill>
-                <a:latin typeface="Arial" panose="020B0604020202020204" pitchFamily="34" charset="0"/>
-                <a:ea typeface="ＭＳ Ｐゴシック" panose="020B0600070205080204" pitchFamily="34" charset="-128"/>
-                <a:cs typeface="Arial" panose="020B0604020202020204" pitchFamily="34" charset="0"/>
-              </a:rPr>
-              <a:t>Hierarchy of Effectiveness</a:t>
+              <a:t>ANSI Z10-2012: Risk Reduction Hierarchy &amp; Hierarchy of Effectiveness</a:t>
             </a:r>
             <a:endParaRPr lang="en-CA" altLang="en-US" sz="1800" dirty="0">
               <a:solidFill>
@@ -10367,17 +10358,7 @@
                 <a:latin typeface="Arial" panose="020B0604020202020204" pitchFamily="34" charset="0"/>
                 <a:cs typeface="Arial" panose="020B0604020202020204" pitchFamily="34" charset="0"/>
               </a:rPr>
-              <a:t>&amp; </a:t>
-            </a:r>
-            <a:r>
-              <a:rPr lang="en-US" altLang="en-US" sz="2400" smtClean="0">
-                <a:solidFill>
-                  <a:srgbClr val="333399"/>
-                </a:solidFill>
-                <a:latin typeface="Arial" panose="020B0604020202020204" pitchFamily="34" charset="0"/>
-                <a:cs typeface="Arial" panose="020B0604020202020204" pitchFamily="34" charset="0"/>
-              </a:rPr>
-              <a:t>Hierarchy of Effectiveness</a:t>
+              <a:t>&amp; Hierarchy of Effectiveness</a:t>
             </a:r>
             <a:endParaRPr kumimoji="0" lang="en-CA" altLang="en-US" sz="2400" b="0" i="0" u="none" strike="noStrike" kern="1200" cap="none" spc="0" normalizeH="0" baseline="0" noProof="0" dirty="0">
               <a:ln>
@@ -11041,7 +11022,7 @@
               <a:defRPr/>
             </a:pPr>
             <a:r>
-              <a:rPr kumimoji="0" lang="en-CA" altLang="en-US" sz="2000" b="0" i="0" u="none" strike="noStrike" kern="1200" cap="none" spc="0" normalizeH="0" baseline="0" noProof="0" dirty="0" smtClean="0">
+              <a:rPr kumimoji="0" lang="en-CA" altLang="en-US" sz="2000" b="0" i="0" u="none" strike="noStrike" kern="1200" cap="none" spc="0" normalizeH="0" baseline="0" noProof="0" dirty="0">
                 <a:ln>
                   <a:noFill/>
                 </a:ln>
@@ -11056,23 +11037,6 @@
                 <a:cs typeface="Arial" panose="020B0604020202020204" pitchFamily="34" charset="0"/>
               </a:rPr>
               <a:t>The </a:t>
-            </a:r>
-            <a:r>
-              <a:rPr kumimoji="0" lang="en-CA" altLang="en-US" sz="2000" b="1" i="0" u="none" strike="noStrike" kern="1200" cap="none" spc="0" normalizeH="0" baseline="0" noProof="0" dirty="0" smtClean="0">
-                <a:ln>
-                  <a:noFill/>
-                </a:ln>
-                <a:solidFill>
-                  <a:srgbClr val="000000"/>
-                </a:solidFill>
-                <a:effectLst/>
-                <a:uLnTx/>
-                <a:uFillTx/>
-                <a:latin typeface="Arial" panose="020B0604020202020204" pitchFamily="34" charset="0"/>
-                <a:ea typeface="ＭＳ Ｐゴシック" panose="020B0600070205080204" pitchFamily="34" charset="-128"/>
-                <a:cs typeface="Arial" panose="020B0604020202020204" pitchFamily="34" charset="0"/>
-              </a:rPr>
-              <a:t>AB </a:t>
             </a:r>
             <a:r>
               <a:rPr kumimoji="0" lang="en-CA" altLang="en-US" sz="2000" b="1" i="0" u="none" strike="noStrike" kern="1200" cap="none" spc="0" normalizeH="0" baseline="0" noProof="0" dirty="0">
@@ -11089,41 +11053,7 @@
                 <a:ea typeface="ＭＳ Ｐゴシック" panose="020B0600070205080204" pitchFamily="34" charset="-128"/>
                 <a:cs typeface="Arial" panose="020B0604020202020204" pitchFamily="34" charset="0"/>
               </a:rPr>
-              <a:t>OH&amp;S Code Part </a:t>
-            </a:r>
-            <a:r>
-              <a:rPr kumimoji="0" lang="en-CA" altLang="en-US" sz="2000" b="1" i="0" u="none" strike="noStrike" kern="1200" cap="none" spc="0" normalizeH="0" baseline="0" noProof="0" dirty="0" smtClean="0">
-                <a:ln>
-                  <a:noFill/>
-                </a:ln>
-                <a:solidFill>
-                  <a:srgbClr val="000000"/>
-                </a:solidFill>
-                <a:effectLst/>
-                <a:uLnTx/>
-                <a:uFillTx/>
-                <a:latin typeface="Arial" panose="020B0604020202020204" pitchFamily="34" charset="0"/>
-                <a:ea typeface="ＭＳ Ｐゴシック" panose="020B0600070205080204" pitchFamily="34" charset="-128"/>
-                <a:cs typeface="Arial" panose="020B0604020202020204" pitchFamily="34" charset="0"/>
-              </a:rPr>
-              <a:t>2 Section 9</a:t>
-            </a:r>
-            <a:r>
-              <a:rPr kumimoji="0" lang="en-CA" altLang="en-US" sz="2000" b="0" i="0" u="none" strike="noStrike" kern="1200" cap="none" spc="0" normalizeH="0" baseline="0" noProof="0" dirty="0" smtClean="0">
-                <a:ln>
-                  <a:noFill/>
-                </a:ln>
-                <a:solidFill>
-                  <a:srgbClr val="000000"/>
-                </a:solidFill>
-                <a:effectLst/>
-                <a:uLnTx/>
-                <a:uFillTx/>
-                <a:latin typeface="Arial" panose="020B0604020202020204" pitchFamily="34" charset="0"/>
-                <a:ea typeface="ＭＳ Ｐゴシック" panose="020B0600070205080204" pitchFamily="34" charset="-128"/>
-                <a:cs typeface="Arial" panose="020B0604020202020204" pitchFamily="34" charset="0"/>
-              </a:rPr>
-              <a:t> specifies </a:t>
+              <a:t>AB OH&amp;S Code Part 2 Section 9</a:t>
             </a:r>
             <a:r>
               <a:rPr kumimoji="0" lang="en-CA" altLang="en-US" sz="2000" b="0" i="0" u="none" strike="noStrike" kern="1200" cap="none" spc="0" normalizeH="0" baseline="0" noProof="0" dirty="0">
@@ -11140,69 +11070,7 @@
                 <a:ea typeface="ＭＳ Ｐゴシック" panose="020B0600070205080204" pitchFamily="34" charset="-128"/>
                 <a:cs typeface="Arial" panose="020B0604020202020204" pitchFamily="34" charset="0"/>
               </a:rPr>
-              <a:t>the order of </a:t>
-            </a:r>
-            <a:r>
-              <a:rPr kumimoji="0" lang="en-CA" altLang="en-US" sz="2000" b="0" i="0" u="none" strike="noStrike" kern="1200" cap="none" spc="0" normalizeH="0" baseline="0" noProof="0" dirty="0" smtClean="0">
-                <a:ln>
-                  <a:noFill/>
-                </a:ln>
-                <a:solidFill>
-                  <a:srgbClr val="000000"/>
-                </a:solidFill>
-                <a:effectLst/>
-                <a:uLnTx/>
-                <a:uFillTx/>
-                <a:latin typeface="Arial" panose="020B0604020202020204" pitchFamily="34" charset="0"/>
-                <a:ea typeface="ＭＳ Ｐゴシック" panose="020B0600070205080204" pitchFamily="34" charset="-128"/>
-                <a:cs typeface="Arial" panose="020B0604020202020204" pitchFamily="34" charset="0"/>
-              </a:rPr>
-              <a:t>effectiveness,</a:t>
-            </a:r>
-            <a:r>
-              <a:rPr kumimoji="0" lang="en-CA" altLang="en-US" sz="2000" b="0" i="0" u="none" strike="noStrike" kern="1200" cap="none" spc="0" normalizeH="0" noProof="0" dirty="0" smtClean="0">
-                <a:ln>
-                  <a:noFill/>
-                </a:ln>
-                <a:solidFill>
-                  <a:srgbClr val="000000"/>
-                </a:solidFill>
-                <a:effectLst/>
-                <a:uLnTx/>
-                <a:uFillTx/>
-                <a:latin typeface="Arial" panose="020B0604020202020204" pitchFamily="34" charset="0"/>
-                <a:ea typeface="ＭＳ Ｐゴシック" panose="020B0600070205080204" pitchFamily="34" charset="-128"/>
-                <a:cs typeface="Arial" panose="020B0604020202020204" pitchFamily="34" charset="0"/>
-              </a:rPr>
-              <a:t> a basic approach </a:t>
-            </a:r>
-            <a:r>
-              <a:rPr lang="en-CA" altLang="en-US" dirty="0" smtClean="0">
-                <a:solidFill>
-                  <a:srgbClr val="000000"/>
-                </a:solidFill>
-                <a:latin typeface="Arial" panose="020B0604020202020204" pitchFamily="34" charset="0"/>
-                <a:ea typeface="ＭＳ Ｐゴシック" panose="020B0600070205080204" pitchFamily="34" charset="-128"/>
-                <a:cs typeface="Arial" panose="020B0604020202020204" pitchFamily="34" charset="0"/>
-              </a:rPr>
-              <a:t>of a </a:t>
-            </a:r>
-            <a:r>
-              <a:rPr kumimoji="0" lang="en-CA" altLang="en-US" sz="2000" b="0" i="0" u="none" strike="noStrike" kern="1200" cap="none" spc="0" normalizeH="0" baseline="0" noProof="0" dirty="0" smtClean="0">
-                <a:ln>
-                  <a:noFill/>
-                </a:ln>
-                <a:solidFill>
-                  <a:srgbClr val="000000"/>
-                </a:solidFill>
-                <a:effectLst/>
-                <a:uLnTx/>
-                <a:uFillTx/>
-                <a:latin typeface="Arial" panose="020B0604020202020204" pitchFamily="34" charset="0"/>
-                <a:ea typeface="ＭＳ Ｐゴシック" panose="020B0600070205080204" pitchFamily="34" charset="-128"/>
-                <a:cs typeface="Arial" panose="020B0604020202020204" pitchFamily="34" charset="0"/>
-              </a:rPr>
-              <a:t>Risk </a:t>
+              <a:t> </a:t>
             </a:r>
             <a:r>
               <a:rPr kumimoji="0" lang="en-CA" altLang="en-US" sz="2000" b="0" i="0" u="none" strike="noStrike" kern="1200" cap="none" spc="0" normalizeH="0" baseline="0" noProof="0" dirty="0">
@@ -11213,16 +11081,19 @@
                   <a:srgbClr val="000000"/>
                 </a:solidFill>
                 <a:effectLst/>
+                <a:highlight>
+                  <a:srgbClr val="FFFF00"/>
+                </a:highlight>
                 <a:uLnTx/>
                 <a:uFillTx/>
                 <a:latin typeface="Arial" panose="020B0604020202020204" pitchFamily="34" charset="0"/>
                 <a:ea typeface="ＭＳ Ｐゴシック" panose="020B0600070205080204" pitchFamily="34" charset="-128"/>
                 <a:cs typeface="Arial" panose="020B0604020202020204" pitchFamily="34" charset="0"/>
               </a:rPr>
-              <a:t>Reduction </a:t>
+              <a:t>specifies</a:t>
             </a:r>
             <a:r>
-              <a:rPr kumimoji="0" lang="en-CA" altLang="en-US" sz="2000" b="0" i="0" u="none" strike="noStrike" kern="1200" cap="none" spc="0" normalizeH="0" baseline="0" noProof="0" dirty="0" smtClean="0">
+              <a:rPr kumimoji="0" lang="en-CA" altLang="en-US" sz="2000" b="0" i="0" u="none" strike="noStrike" kern="1200" cap="none" spc="0" normalizeH="0" baseline="0" noProof="0" dirty="0">
                 <a:ln>
                   <a:noFill/>
                 </a:ln>
@@ -11236,22 +11107,127 @@
                 <a:ea typeface="ＭＳ Ｐゴシック" panose="020B0600070205080204" pitchFamily="34" charset="-128"/>
                 <a:cs typeface="Arial" panose="020B0604020202020204" pitchFamily="34" charset="0"/>
               </a:rPr>
-              <a:t>Hierarchy:</a:t>
+              <a:t> the </a:t>
             </a:r>
-            <a:endParaRPr kumimoji="0" lang="en-CA" altLang="en-US" sz="2000" b="0" i="0" u="none" strike="noStrike" kern="1200" cap="none" spc="0" normalizeH="0" baseline="0" noProof="0" dirty="0">
-              <a:ln>
-                <a:noFill/>
-              </a:ln>
-              <a:solidFill>
-                <a:srgbClr val="000000"/>
-              </a:solidFill>
-              <a:effectLst/>
-              <a:uLnTx/>
-              <a:uFillTx/>
-              <a:latin typeface="Arial" panose="020B0604020202020204" pitchFamily="34" charset="0"/>
-              <a:ea typeface="ＭＳ Ｐゴシック" panose="020B0600070205080204" pitchFamily="34" charset="-128"/>
-              <a:cs typeface="Arial" panose="020B0604020202020204" pitchFamily="34" charset="0"/>
-            </a:endParaRPr>
+            <a:r>
+              <a:rPr kumimoji="0" lang="en-CA" altLang="en-US" sz="2000" b="0" i="0" u="none" strike="noStrike" kern="1200" cap="none" spc="0" normalizeH="0" baseline="0" noProof="0" dirty="0">
+                <a:ln>
+                  <a:noFill/>
+                </a:ln>
+                <a:solidFill>
+                  <a:srgbClr val="000000"/>
+                </a:solidFill>
+                <a:effectLst/>
+                <a:highlight>
+                  <a:srgbClr val="FFFF00"/>
+                </a:highlight>
+                <a:uLnTx/>
+                <a:uFillTx/>
+                <a:latin typeface="Arial" panose="020B0604020202020204" pitchFamily="34" charset="0"/>
+                <a:ea typeface="ＭＳ Ｐゴシック" panose="020B0600070205080204" pitchFamily="34" charset="-128"/>
+                <a:cs typeface="Arial" panose="020B0604020202020204" pitchFamily="34" charset="0"/>
+              </a:rPr>
+              <a:t>order</a:t>
+            </a:r>
+            <a:r>
+              <a:rPr kumimoji="0" lang="en-CA" altLang="en-US" sz="2000" b="0" i="0" u="none" strike="noStrike" kern="1200" cap="none" spc="0" normalizeH="0" baseline="0" noProof="0" dirty="0">
+                <a:ln>
+                  <a:noFill/>
+                </a:ln>
+                <a:solidFill>
+                  <a:srgbClr val="000000"/>
+                </a:solidFill>
+                <a:effectLst/>
+                <a:uLnTx/>
+                <a:uFillTx/>
+                <a:latin typeface="Arial" panose="020B0604020202020204" pitchFamily="34" charset="0"/>
+                <a:ea typeface="ＭＳ Ｐゴシック" panose="020B0600070205080204" pitchFamily="34" charset="-128"/>
+                <a:cs typeface="Arial" panose="020B0604020202020204" pitchFamily="34" charset="0"/>
+              </a:rPr>
+              <a:t> of </a:t>
+            </a:r>
+            <a:r>
+              <a:rPr kumimoji="0" lang="en-CA" altLang="en-US" sz="2000" b="0" i="0" u="none" strike="noStrike" kern="1200" cap="none" spc="0" normalizeH="0" baseline="0" noProof="0" dirty="0">
+                <a:ln>
+                  <a:noFill/>
+                </a:ln>
+                <a:solidFill>
+                  <a:srgbClr val="000000"/>
+                </a:solidFill>
+                <a:effectLst/>
+                <a:highlight>
+                  <a:srgbClr val="FFFF00"/>
+                </a:highlight>
+                <a:uLnTx/>
+                <a:uFillTx/>
+                <a:latin typeface="Arial" panose="020B0604020202020204" pitchFamily="34" charset="0"/>
+                <a:ea typeface="ＭＳ Ｐゴシック" panose="020B0600070205080204" pitchFamily="34" charset="-128"/>
+                <a:cs typeface="Arial" panose="020B0604020202020204" pitchFamily="34" charset="0"/>
+              </a:rPr>
+              <a:t>effectiveness</a:t>
+            </a:r>
+            <a:r>
+              <a:rPr kumimoji="0" lang="en-CA" altLang="en-US" sz="2000" b="0" i="0" u="none" strike="noStrike" kern="1200" cap="none" spc="0" normalizeH="0" baseline="0" noProof="0" dirty="0">
+                <a:ln>
+                  <a:noFill/>
+                </a:ln>
+                <a:solidFill>
+                  <a:srgbClr val="000000"/>
+                </a:solidFill>
+                <a:effectLst/>
+                <a:uLnTx/>
+                <a:uFillTx/>
+                <a:latin typeface="Arial" panose="020B0604020202020204" pitchFamily="34" charset="0"/>
+                <a:ea typeface="ＭＳ Ｐゴシック" panose="020B0600070205080204" pitchFamily="34" charset="-128"/>
+                <a:cs typeface="Arial" panose="020B0604020202020204" pitchFamily="34" charset="0"/>
+              </a:rPr>
+              <a:t>,</a:t>
+            </a:r>
+            <a:r>
+              <a:rPr kumimoji="0" lang="en-CA" altLang="en-US" sz="2000" b="0" i="0" u="none" strike="noStrike" kern="1200" cap="none" spc="0" normalizeH="0" noProof="0" dirty="0">
+                <a:ln>
+                  <a:noFill/>
+                </a:ln>
+                <a:solidFill>
+                  <a:srgbClr val="000000"/>
+                </a:solidFill>
+                <a:effectLst/>
+                <a:uLnTx/>
+                <a:uFillTx/>
+                <a:latin typeface="Arial" panose="020B0604020202020204" pitchFamily="34" charset="0"/>
+                <a:ea typeface="ＭＳ Ｐゴシック" panose="020B0600070205080204" pitchFamily="34" charset="-128"/>
+                <a:cs typeface="Arial" panose="020B0604020202020204" pitchFamily="34" charset="0"/>
+              </a:rPr>
+              <a:t> a basic approach </a:t>
+            </a:r>
+            <a:r>
+              <a:rPr lang="en-CA" altLang="en-US" dirty="0">
+                <a:solidFill>
+                  <a:srgbClr val="000000"/>
+                </a:solidFill>
+                <a:latin typeface="Arial" panose="020B0604020202020204" pitchFamily="34" charset="0"/>
+                <a:ea typeface="ＭＳ Ｐゴシック" panose="020B0600070205080204" pitchFamily="34" charset="-128"/>
+                <a:cs typeface="Arial" panose="020B0604020202020204" pitchFamily="34" charset="0"/>
+              </a:rPr>
+              <a:t>of a </a:t>
+            </a:r>
+            <a:r>
+              <a:rPr kumimoji="0" lang="en-CA" altLang="en-US" sz="2000" b="0" i="0" u="none" strike="noStrike" kern="1200" cap="none" spc="0" normalizeH="0" baseline="0" noProof="0" dirty="0">
+                <a:ln>
+                  <a:noFill/>
+                </a:ln>
+                <a:solidFill>
+                  <a:srgbClr val="000000"/>
+                </a:solidFill>
+                <a:effectLst/>
+                <a:uLnTx/>
+                <a:uFillTx/>
+                <a:latin typeface="Arial" panose="020B0604020202020204" pitchFamily="34" charset="0"/>
+                <a:ea typeface="ＭＳ Ｐゴシック" panose="020B0600070205080204" pitchFamily="34" charset="-128"/>
+                <a:cs typeface="Arial" panose="020B0604020202020204" pitchFamily="34" charset="0"/>
+              </a:rPr>
+              <a:t>Risk Reduction Hierarchy:</a:t>
+            </a:r>
           </a:p>
           <a:p>
             <a:pPr marL="990600" marR="0" lvl="1" indent="-533400" algn="l" defTabSz="914400" rtl="0" eaLnBrk="1" fontAlgn="auto" latinLnBrk="0" hangingPunct="1">
@@ -11274,7 +11250,66 @@
               <a:defRPr/>
             </a:pPr>
             <a:r>
-              <a:rPr kumimoji="0" lang="en-CA" sz="2000" b="0" i="0" u="none" strike="noStrike" kern="0" cap="none" spc="0" normalizeH="0" baseline="0" noProof="0" dirty="0" smtClean="0">
+              <a:rPr kumimoji="0" lang="en-CA" sz="2000" b="0" i="0" u="none" strike="noStrike" kern="0" cap="none" spc="0" normalizeH="0" baseline="0" noProof="0" dirty="0">
+                <a:ln>
+                  <a:noFill/>
+                </a:ln>
+                <a:solidFill>
+                  <a:srgbClr val="000000"/>
+                </a:solidFill>
+                <a:effectLst/>
+                <a:highlight>
+                  <a:srgbClr val="FFFF00"/>
+                </a:highlight>
+                <a:uLnTx/>
+                <a:uFillTx/>
+                <a:latin typeface="Arial"/>
+                <a:ea typeface="Arial"/>
+                <a:cs typeface="Arial"/>
+                <a:sym typeface="Arial"/>
+              </a:rPr>
+              <a:t>Eliminate</a:t>
+            </a:r>
+            <a:endParaRPr kumimoji="0" lang="en-CA" sz="2000" b="0" i="0" u="none" strike="noStrike" kern="0" cap="none" spc="0" normalizeH="0" baseline="0" noProof="0" dirty="0">
+              <a:ln>
+                <a:noFill/>
+              </a:ln>
+              <a:solidFill>
+                <a:srgbClr val="463634"/>
+              </a:solidFill>
+              <a:effectLst/>
+              <a:highlight>
+                <a:srgbClr val="FFFF00"/>
+              </a:highlight>
+              <a:uLnTx/>
+              <a:uFillTx/>
+              <a:latin typeface="Times New Roman"/>
+              <a:cs typeface="Times New Roman"/>
+              <a:sym typeface="Times New Roman"/>
+            </a:endParaRPr>
+          </a:p>
+          <a:p>
+            <a:pPr marL="990600" marR="0" lvl="1" indent="-533400" algn="l" defTabSz="914400" rtl="0" eaLnBrk="1" fontAlgn="auto" latinLnBrk="0" hangingPunct="1">
+              <a:lnSpc>
+                <a:spcPct val="100000"/>
+              </a:lnSpc>
+              <a:spcBef>
+                <a:spcPts val="480"/>
+              </a:spcBef>
+              <a:spcAft>
+                <a:spcPts val="0"/>
+              </a:spcAft>
+              <a:buClr>
+                <a:srgbClr val="000000"/>
+              </a:buClr>
+              <a:buSzPts val="2400"/>
+              <a:buFont typeface="Noto Sans Symbols"/>
+              <a:buAutoNum type="arabicParenR"/>
+              <a:tabLst/>
+              <a:defRPr/>
+            </a:pPr>
+            <a:r>
+              <a:rPr kumimoji="0" lang="en-CA" sz="2000" b="0" i="0" u="none" strike="noStrike" kern="0" cap="none" spc="0" normalizeH="0" baseline="0" noProof="0" dirty="0">
                 <a:ln>
                   <a:noFill/>
                 </a:ln>
@@ -11289,7 +11324,85 @@
                 <a:cs typeface="Arial"/>
                 <a:sym typeface="Arial"/>
               </a:rPr>
-              <a:t>Eliminate</a:t>
+              <a:t>Apply </a:t>
+            </a:r>
+            <a:r>
+              <a:rPr kumimoji="0" lang="en-CA" sz="2000" b="0" i="0" u="none" strike="noStrike" kern="0" cap="none" spc="0" normalizeH="0" baseline="0" noProof="0" dirty="0">
+                <a:ln>
+                  <a:noFill/>
+                </a:ln>
+                <a:solidFill>
+                  <a:srgbClr val="000000"/>
+                </a:solidFill>
+                <a:effectLst/>
+                <a:highlight>
+                  <a:srgbClr val="FFFF00"/>
+                </a:highlight>
+                <a:uLnTx/>
+                <a:uFillTx/>
+                <a:latin typeface="Arial"/>
+                <a:ea typeface="Arial"/>
+                <a:cs typeface="Arial"/>
+                <a:sym typeface="Arial"/>
+              </a:rPr>
+              <a:t>Engineering Controls</a:t>
+            </a:r>
+            <a:r>
+              <a:rPr kumimoji="0" lang="en-CA" sz="2000" b="0" i="0" u="none" strike="noStrike" kern="0" cap="none" spc="0" normalizeH="0" baseline="0" noProof="0" dirty="0">
+                <a:ln>
+                  <a:noFill/>
+                </a:ln>
+                <a:solidFill>
+                  <a:srgbClr val="000000"/>
+                </a:solidFill>
+                <a:effectLst/>
+                <a:uLnTx/>
+                <a:uFillTx/>
+                <a:latin typeface="Arial"/>
+                <a:ea typeface="Arial"/>
+                <a:cs typeface="Arial"/>
+                <a:sym typeface="Arial"/>
+              </a:rPr>
+              <a:t> to </a:t>
+            </a:r>
+            <a:r>
+              <a:rPr kumimoji="0" lang="en-CA" sz="2000" b="0" i="0" u="none" strike="noStrike" kern="0" cap="none" spc="0" normalizeH="0" baseline="0" noProof="0" dirty="0">
+                <a:ln>
+                  <a:noFill/>
+                </a:ln>
+                <a:solidFill>
+                  <a:srgbClr val="000000"/>
+                </a:solidFill>
+                <a:effectLst/>
+                <a:highlight>
+                  <a:srgbClr val="FFFF00"/>
+                </a:highlight>
+                <a:uLnTx/>
+                <a:uFillTx/>
+                <a:latin typeface="Arial"/>
+                <a:ea typeface="Arial"/>
+                <a:cs typeface="Arial"/>
+                <a:sym typeface="Arial"/>
+              </a:rPr>
+              <a:t>Reduce</a:t>
+            </a:r>
+            <a:r>
+              <a:rPr kumimoji="0" lang="en-CA" sz="2000" b="0" i="0" u="none" strike="noStrike" kern="0" cap="none" spc="0" normalizeH="0" baseline="0" noProof="0" dirty="0">
+                <a:ln>
+                  <a:noFill/>
+                </a:ln>
+                <a:solidFill>
+                  <a:srgbClr val="000000"/>
+                </a:solidFill>
+                <a:effectLst/>
+                <a:uLnTx/>
+                <a:uFillTx/>
+                <a:latin typeface="Arial"/>
+                <a:ea typeface="Arial"/>
+                <a:cs typeface="Arial"/>
+                <a:sym typeface="Arial"/>
+              </a:rPr>
+              <a:t> the Exposure</a:t>
             </a:r>
             <a:endParaRPr kumimoji="0" lang="en-CA" sz="2000" b="0" i="0" u="none" strike="noStrike" kern="0" cap="none" spc="0" normalizeH="0" baseline="0" noProof="0" dirty="0">
               <a:ln>
@@ -11342,43 +11455,29 @@
                 <a:cs typeface="Arial"/>
                 <a:sym typeface="Arial"/>
               </a:rPr>
-              <a:t>Apply Engineering Controls to Reduce the Exposure</a:t>
+              <a:t>Apply </a:t>
             </a:r>
-            <a:endParaRPr kumimoji="0" lang="en-CA" sz="2000" b="0" i="0" u="none" strike="noStrike" kern="0" cap="none" spc="0" normalizeH="0" baseline="0" noProof="0" dirty="0">
-              <a:ln>
-                <a:noFill/>
-              </a:ln>
-              <a:solidFill>
-                <a:srgbClr val="463634"/>
-              </a:solidFill>
-              <a:effectLst/>
-              <a:uLnTx/>
-              <a:uFillTx/>
-              <a:latin typeface="Times New Roman"/>
-              <a:cs typeface="Times New Roman"/>
-              <a:sym typeface="Times New Roman"/>
-            </a:endParaRPr>
-          </a:p>
-          <a:p>
-            <a:pPr marL="990600" marR="0" lvl="1" indent="-533400" algn="l" defTabSz="914400" rtl="0" eaLnBrk="1" fontAlgn="auto" latinLnBrk="0" hangingPunct="1">
-              <a:lnSpc>
-                <a:spcPct val="100000"/>
-              </a:lnSpc>
-              <a:spcBef>
-                <a:spcPts val="480"/>
-              </a:spcBef>
-              <a:spcAft>
-                <a:spcPts val="0"/>
-              </a:spcAft>
-              <a:buClr>
-                <a:srgbClr val="000000"/>
-              </a:buClr>
-              <a:buSzPts val="2400"/>
-              <a:buFont typeface="Noto Sans Symbols"/>
-              <a:buAutoNum type="arabicParenR"/>
-              <a:tabLst/>
-              <a:defRPr/>
-            </a:pPr>
+            <a:r>
+              <a:rPr kumimoji="0" lang="en-CA" sz="2000" b="0" i="0" u="none" strike="noStrike" kern="0" cap="none" spc="0" normalizeH="0" baseline="0" noProof="0" dirty="0">
+                <a:ln>
+                  <a:noFill/>
+                </a:ln>
+                <a:solidFill>
+                  <a:srgbClr val="000000"/>
+                </a:solidFill>
+                <a:effectLst/>
+                <a:highlight>
+                  <a:srgbClr val="FFFF00"/>
+                </a:highlight>
+                <a:uLnTx/>
+                <a:uFillTx/>
+                <a:latin typeface="Arial"/>
+                <a:ea typeface="Arial"/>
+                <a:cs typeface="Arial"/>
+                <a:sym typeface="Arial"/>
+              </a:rPr>
+              <a:t>Administrative Controls</a:t>
+            </a:r>
             <a:r>
               <a:rPr kumimoji="0" lang="en-CA" sz="2000" b="0" i="0" u="none" strike="noStrike" kern="0" cap="none" spc="0" normalizeH="0" baseline="0" noProof="0" dirty="0">
                 <a:ln>
@@ -11395,7 +11494,46 @@
                 <a:cs typeface="Arial"/>
                 <a:sym typeface="Arial"/>
               </a:rPr>
-              <a:t>Apply Administrative Controls and Work Practices </a:t>
+              <a:t> and </a:t>
+            </a:r>
+            <a:r>
+              <a:rPr kumimoji="0" lang="en-CA" sz="2000" b="0" i="0" u="none" strike="noStrike" kern="0" cap="none" spc="0" normalizeH="0" baseline="0" noProof="0" dirty="0">
+                <a:ln>
+                  <a:noFill/>
+                </a:ln>
+                <a:solidFill>
+                  <a:srgbClr val="000000"/>
+                </a:solidFill>
+                <a:effectLst/>
+                <a:highlight>
+                  <a:srgbClr val="FFFF00"/>
+                </a:highlight>
+                <a:uLnTx/>
+                <a:uFillTx/>
+                <a:latin typeface="Arial"/>
+                <a:ea typeface="Arial"/>
+                <a:cs typeface="Arial"/>
+                <a:sym typeface="Arial"/>
+              </a:rPr>
+              <a:t>Work Practices</a:t>
+            </a:r>
+            <a:r>
+              <a:rPr kumimoji="0" lang="en-CA" sz="2000" b="0" i="0" u="none" strike="noStrike" kern="0" cap="none" spc="0" normalizeH="0" baseline="0" noProof="0" dirty="0">
+                <a:ln>
+                  <a:noFill/>
+                </a:ln>
+                <a:solidFill>
+                  <a:srgbClr val="000000"/>
+                </a:solidFill>
+                <a:effectLst/>
+                <a:uLnTx/>
+                <a:uFillTx/>
+                <a:latin typeface="Arial"/>
+                <a:ea typeface="Arial"/>
+                <a:cs typeface="Arial"/>
+                <a:sym typeface="Arial"/>
+              </a:rPr>
+              <a:t> </a:t>
             </a:r>
             <a:br>
               <a:rPr kumimoji="0" lang="en-CA" sz="2000" b="0" i="0" u="none" strike="noStrike" kern="0" cap="none" spc="0" normalizeH="0" baseline="0" noProof="0" dirty="0">
@@ -11483,7 +11621,28 @@
                 <a:cs typeface="Arial"/>
                 <a:sym typeface="Arial"/>
               </a:rPr>
-              <a:t>Use PPE</a:t>
+              <a:t>Use </a:t>
+            </a:r>
+            <a:r>
+              <a:rPr kumimoji="0" lang="en-CA" sz="2000" b="0" i="0" u="none" strike="noStrike" kern="0" cap="none" spc="0" normalizeH="0" baseline="0" noProof="0" dirty="0">
+                <a:ln>
+                  <a:noFill/>
+                </a:ln>
+                <a:solidFill>
+                  <a:srgbClr val="000000"/>
+                </a:solidFill>
+                <a:effectLst/>
+                <a:highlight>
+                  <a:srgbClr val="FFFF00"/>
+                </a:highlight>
+                <a:uLnTx/>
+                <a:uFillTx/>
+                <a:latin typeface="Arial"/>
+                <a:ea typeface="Arial"/>
+                <a:cs typeface="Arial"/>
+                <a:sym typeface="Arial"/>
+              </a:rPr>
+              <a:t>PPE</a:t>
             </a:r>
             <a:endParaRPr kumimoji="0" lang="en-CA" sz="2000" b="0" i="0" u="none" strike="noStrike" kern="0" cap="none" spc="0" normalizeH="0" baseline="0" noProof="0" dirty="0">
               <a:ln>
@@ -11493,6 +11652,9 @@
                 <a:srgbClr val="463634"/>
               </a:solidFill>
               <a:effectLst/>
+              <a:highlight>
+                <a:srgbClr val="FFFF00"/>
+              </a:highlight>
               <a:uLnTx/>
               <a:uFillTx/>
               <a:latin typeface="Times New Roman"/>
@@ -11536,23 +11698,47 @@
                 <a:cs typeface="Arial"/>
                 <a:sym typeface="Arial"/>
               </a:rPr>
-              <a:t>Use combinations of above. </a:t>
+              <a:t>Use </a:t>
             </a:r>
-            <a:endParaRPr kumimoji="0" lang="en-CA" sz="2000" b="0" i="0" u="none" strike="noStrike" kern="0" cap="none" spc="0" normalizeH="0" baseline="0" noProof="0" dirty="0" smtClean="0">
-              <a:ln>
-                <a:noFill/>
-              </a:ln>
-              <a:solidFill>
-                <a:srgbClr val="000000"/>
-              </a:solidFill>
-              <a:effectLst/>
-              <a:uLnTx/>
-              <a:uFillTx/>
-              <a:latin typeface="Arial"/>
-              <a:ea typeface="Arial"/>
-              <a:cs typeface="Arial"/>
-              <a:sym typeface="Arial"/>
-            </a:endParaRPr>
+            <a:r>
+              <a:rPr kumimoji="0" lang="en-CA" sz="2000" b="0" i="0" u="none" strike="noStrike" kern="0" cap="none" spc="0" normalizeH="0" baseline="0" noProof="0" dirty="0">
+                <a:ln>
+                  <a:noFill/>
+                </a:ln>
+                <a:solidFill>
+                  <a:srgbClr val="000000"/>
+                </a:solidFill>
+                <a:effectLst/>
+                <a:highlight>
+                  <a:srgbClr val="FFFF00"/>
+                </a:highlight>
+                <a:uLnTx/>
+                <a:uFillTx/>
+                <a:latin typeface="Arial"/>
+                <a:ea typeface="Arial"/>
+                <a:cs typeface="Arial"/>
+                <a:sym typeface="Arial"/>
+              </a:rPr>
+              <a:t>combinations</a:t>
+            </a:r>
+            <a:r>
+              <a:rPr kumimoji="0" lang="en-CA" sz="2000" b="0" i="0" u="none" strike="noStrike" kern="0" cap="none" spc="0" normalizeH="0" baseline="0" noProof="0" dirty="0">
+                <a:ln>
+                  <a:noFill/>
+                </a:ln>
+                <a:solidFill>
+                  <a:srgbClr val="000000"/>
+                </a:solidFill>
+                <a:effectLst/>
+                <a:uLnTx/>
+                <a:uFillTx/>
+                <a:latin typeface="Arial"/>
+                <a:ea typeface="Arial"/>
+                <a:cs typeface="Arial"/>
+                <a:sym typeface="Arial"/>
+              </a:rPr>
+              <a:t> of above. </a:t>
+            </a:r>
           </a:p>
           <a:p>
             <a:pPr marL="990600" marR="0" lvl="1" indent="-533400" algn="l" defTabSz="914400" rtl="0" eaLnBrk="1" fontAlgn="auto" latinLnBrk="0" hangingPunct="1">
@@ -11602,7 +11788,7 @@
               <a:defRPr/>
             </a:pPr>
             <a:r>
-              <a:rPr lang="en-US" dirty="0" smtClean="0">
+              <a:rPr lang="en-US" dirty="0">
                 <a:solidFill>
                   <a:srgbClr val="000000"/>
                 </a:solidFill>
@@ -11611,19 +11797,115 @@
                 <a:cs typeface="Arial" panose="020B0604020202020204" pitchFamily="34" charset="0"/>
                 <a:sym typeface="Arial"/>
               </a:rPr>
-              <a:t>Most facilities usually apply and “prioritize” PPE first</a:t>
+              <a:t>Most facilities usually apply and “</a:t>
             </a:r>
             <a:r>
               <a:rPr lang="en-US" dirty="0">
                 <a:solidFill>
                   <a:srgbClr val="000000"/>
                 </a:solidFill>
+                <a:highlight>
+                  <a:srgbClr val="FFFF00"/>
+                </a:highlight>
                 <a:latin typeface="Arial" panose="020B0604020202020204" pitchFamily="34" charset="0"/>
                 <a:ea typeface="ＭＳ Ｐゴシック" panose="020B0600070205080204" pitchFamily="34" charset="-128"/>
                 <a:cs typeface="Arial" panose="020B0604020202020204" pitchFamily="34" charset="0"/>
                 <a:sym typeface="Arial"/>
               </a:rPr>
-              <a:t>” because it is easy even though it is the least effective!</a:t>
+              <a:t>prioritize</a:t>
+            </a:r>
+            <a:r>
+              <a:rPr lang="en-US" dirty="0">
+                <a:solidFill>
+                  <a:srgbClr val="000000"/>
+                </a:solidFill>
+                <a:latin typeface="Arial" panose="020B0604020202020204" pitchFamily="34" charset="0"/>
+                <a:ea typeface="ＭＳ Ｐゴシック" panose="020B0600070205080204" pitchFamily="34" charset="-128"/>
+                <a:cs typeface="Arial" panose="020B0604020202020204" pitchFamily="34" charset="0"/>
+                <a:sym typeface="Arial"/>
+              </a:rPr>
+              <a:t>” </a:t>
+            </a:r>
+            <a:r>
+              <a:rPr lang="en-US" dirty="0">
+                <a:solidFill>
+                  <a:srgbClr val="000000"/>
+                </a:solidFill>
+                <a:highlight>
+                  <a:srgbClr val="FFFF00"/>
+                </a:highlight>
+                <a:latin typeface="Arial" panose="020B0604020202020204" pitchFamily="34" charset="0"/>
+                <a:ea typeface="ＭＳ Ｐゴシック" panose="020B0600070205080204" pitchFamily="34" charset="-128"/>
+                <a:cs typeface="Arial" panose="020B0604020202020204" pitchFamily="34" charset="0"/>
+                <a:sym typeface="Arial"/>
+              </a:rPr>
+              <a:t>PPE first</a:t>
+            </a:r>
+            <a:r>
+              <a:rPr lang="en-US" dirty="0">
+                <a:solidFill>
+                  <a:srgbClr val="000000"/>
+                </a:solidFill>
+                <a:latin typeface="Arial" panose="020B0604020202020204" pitchFamily="34" charset="0"/>
+                <a:ea typeface="ＭＳ Ｐゴシック" panose="020B0600070205080204" pitchFamily="34" charset="-128"/>
+                <a:cs typeface="Arial" panose="020B0604020202020204" pitchFamily="34" charset="0"/>
+                <a:sym typeface="Arial"/>
+              </a:rPr>
+              <a:t> because it is </a:t>
+            </a:r>
+            <a:r>
+              <a:rPr lang="en-US" dirty="0">
+                <a:solidFill>
+                  <a:srgbClr val="000000"/>
+                </a:solidFill>
+                <a:highlight>
+                  <a:srgbClr val="FFFF00"/>
+                </a:highlight>
+                <a:latin typeface="Arial" panose="020B0604020202020204" pitchFamily="34" charset="0"/>
+                <a:ea typeface="ＭＳ Ｐゴシック" panose="020B0600070205080204" pitchFamily="34" charset="-128"/>
+                <a:cs typeface="Arial" panose="020B0604020202020204" pitchFamily="34" charset="0"/>
+                <a:sym typeface="Arial"/>
+              </a:rPr>
+              <a:t>easy</a:t>
+            </a:r>
+            <a:r>
+              <a:rPr lang="en-US" dirty="0">
+                <a:solidFill>
+                  <a:srgbClr val="000000"/>
+                </a:solidFill>
+                <a:latin typeface="Arial" panose="020B0604020202020204" pitchFamily="34" charset="0"/>
+                <a:ea typeface="ＭＳ Ｐゴシック" panose="020B0600070205080204" pitchFamily="34" charset="-128"/>
+                <a:cs typeface="Arial" panose="020B0604020202020204" pitchFamily="34" charset="0"/>
+                <a:sym typeface="Arial"/>
+              </a:rPr>
+              <a:t> even though it is </a:t>
+            </a:r>
+            <a:r>
+              <a:rPr lang="en-US" dirty="0">
+                <a:solidFill>
+                  <a:srgbClr val="000000"/>
+                </a:solidFill>
+                <a:highlight>
+                  <a:srgbClr val="FFFF00"/>
+                </a:highlight>
+                <a:latin typeface="Arial" panose="020B0604020202020204" pitchFamily="34" charset="0"/>
+                <a:ea typeface="ＭＳ Ｐゴシック" panose="020B0600070205080204" pitchFamily="34" charset="-128"/>
+                <a:cs typeface="Arial" panose="020B0604020202020204" pitchFamily="34" charset="0"/>
+                <a:sym typeface="Arial"/>
+              </a:rPr>
+              <a:t>the least effective</a:t>
+            </a:r>
+            <a:r>
+              <a:rPr lang="en-US" dirty="0">
+                <a:solidFill>
+                  <a:srgbClr val="000000"/>
+                </a:solidFill>
+                <a:latin typeface="Arial" panose="020B0604020202020204" pitchFamily="34" charset="0"/>
+                <a:ea typeface="ＭＳ Ｐゴシック" panose="020B0600070205080204" pitchFamily="34" charset="-128"/>
+                <a:cs typeface="Arial" panose="020B0604020202020204" pitchFamily="34" charset="0"/>
+                <a:sym typeface="Arial"/>
+              </a:rPr>
+              <a:t>!</a:t>
             </a:r>
           </a:p>
           <a:p>
@@ -11891,7 +12173,7 @@
               <a:defRPr/>
             </a:pPr>
             <a:r>
-              <a:rPr lang="en-CA" altLang="en-US" sz="2400" dirty="0" smtClean="0">
+              <a:rPr lang="en-CA" altLang="en-US" sz="2400" dirty="0">
                 <a:solidFill>
                   <a:srgbClr val="333399"/>
                 </a:solidFill>
@@ -12302,7 +12584,7 @@
               <a:defRPr/>
             </a:pPr>
             <a:r>
-              <a:rPr kumimoji="0" lang="en-CA" altLang="en-US" sz="2400" b="0" i="0" u="none" strike="noStrike" kern="1200" cap="none" spc="0" normalizeH="0" baseline="0" noProof="0" dirty="0" smtClean="0">
+              <a:rPr kumimoji="0" lang="en-CA" altLang="en-US" sz="2400" b="0" i="0" u="none" strike="noStrike" kern="1200" cap="none" spc="0" normalizeH="0" baseline="0" noProof="0" dirty="0">
                 <a:ln>
                   <a:noFill/>
                 </a:ln>
@@ -12330,7 +12612,7 @@
               <a:t> </a:t>
             </a:r>
             <a:r>
-              <a:rPr lang="en-US" altLang="en-US" sz="2400" dirty="0" smtClean="0">
+              <a:rPr lang="en-US" altLang="en-US" sz="2400" dirty="0">
                 <a:solidFill>
                   <a:srgbClr val="F8F8F8"/>
                 </a:solidFill>
@@ -12338,18 +12620,7 @@
                 <a:ea typeface="ＭＳ Ｐゴシック" panose="020B0600070205080204" pitchFamily="34" charset="-128"/>
                 <a:cs typeface="Arial" panose="020B0604020202020204" pitchFamily="34" charset="0"/>
               </a:rPr>
-              <a:t>Apply </a:t>
-            </a:r>
-            <a:r>
-              <a:rPr lang="en-US" altLang="en-US" sz="2400" dirty="0">
-                <a:solidFill>
-                  <a:srgbClr val="F8F8F8"/>
-                </a:solidFill>
-                <a:latin typeface="Arial" panose="020B0604020202020204" pitchFamily="34" charset="0"/>
-                <a:ea typeface="ＭＳ Ｐゴシック" panose="020B0600070205080204" pitchFamily="34" charset="-128"/>
-                <a:cs typeface="Arial" panose="020B0604020202020204" pitchFamily="34" charset="0"/>
-              </a:rPr>
-              <a:t>AB OH&amp;S Code Part 2 to Spray-Patch Crew</a:t>
+              <a:t>Apply AB OH&amp;S Code Part 2 to Spray-Patch Crew</a:t>
             </a:r>
           </a:p>
         </p:txBody>
@@ -13902,17 +14173,7 @@
                 <a:latin typeface="Arial" panose="020B0604020202020204" pitchFamily="34" charset="0"/>
                 <a:cs typeface="Arial" panose="020B0604020202020204" pitchFamily="34" charset="0"/>
               </a:rPr>
-              <a:t>&amp; </a:t>
-            </a:r>
-            <a:r>
-              <a:rPr lang="en-US" altLang="en-US" smtClean="0">
-                <a:solidFill>
-                  <a:srgbClr val="333399"/>
-                </a:solidFill>
-                <a:latin typeface="Arial" panose="020B0604020202020204" pitchFamily="34" charset="0"/>
-                <a:cs typeface="Arial" panose="020B0604020202020204" pitchFamily="34" charset="0"/>
-              </a:rPr>
-              <a:t>Hierarchy of Effectiveness</a:t>
+              <a:t>&amp; Hierarchy of Effectiveness</a:t>
             </a:r>
             <a:endParaRPr lang="en-US" altLang="en-US" dirty="0">
               <a:solidFill>
@@ -14502,7 +14763,7 @@
               <a:defRPr/>
             </a:pPr>
             <a:r>
-              <a:rPr lang="en-US" altLang="en-US" sz="1800" dirty="0" smtClean="0">
+              <a:rPr lang="en-US" altLang="en-US" sz="1800" dirty="0">
                 <a:solidFill>
                   <a:srgbClr val="000000"/>
                 </a:solidFill>
@@ -14512,14 +14773,6 @@
               </a:rPr>
               <a:t>ANSI Z10-2012 has same order as AB OH&amp;S but includes “substitution”. </a:t>
             </a:r>
-            <a:endParaRPr lang="en-US" altLang="en-US" sz="1800" dirty="0">
-              <a:solidFill>
-                <a:srgbClr val="000000"/>
-              </a:solidFill>
-              <a:latin typeface="Arial" panose="020B0604020202020204" pitchFamily="34" charset="0"/>
-              <a:ea typeface="ＭＳ Ｐゴシック" panose="020B0600070205080204" pitchFamily="34" charset="-128"/>
-              <a:cs typeface="Arial" panose="020B0604020202020204" pitchFamily="34" charset="0"/>
-            </a:endParaRPr>
           </a:p>
           <a:p>
             <a:pPr marL="0" marR="0" lvl="0" indent="0" algn="l" defTabSz="914400" rtl="0" eaLnBrk="0" fontAlgn="base" latinLnBrk="0" hangingPunct="0">
@@ -15071,47 +15324,17 @@
                 <a:latin typeface="Arial" panose="020B0604020202020204" pitchFamily="34" charset="0"/>
                 <a:cs typeface="Arial" panose="020B0604020202020204" pitchFamily="34" charset="0"/>
               </a:rPr>
-              <a:t>ANSI </a:t>
+              <a:t>ANSI Z10-2012: Risk Reduction Hierarchy </a:t>
             </a:r>
             <a:r>
-              <a:rPr lang="en-US" altLang="en-US" dirty="0" smtClean="0">
+              <a:rPr lang="en-US" altLang="en-US">
                 <a:solidFill>
                   <a:srgbClr val="333399"/>
                 </a:solidFill>
                 <a:latin typeface="Arial" panose="020B0604020202020204" pitchFamily="34" charset="0"/>
                 <a:cs typeface="Arial" panose="020B0604020202020204" pitchFamily="34" charset="0"/>
               </a:rPr>
-              <a:t>Z10-2012: Risk </a:t>
-            </a:r>
-            <a:r>
-              <a:rPr lang="en-US" altLang="en-US" dirty="0">
-                <a:solidFill>
-                  <a:srgbClr val="333399"/>
-                </a:solidFill>
-                <a:latin typeface="Arial" panose="020B0604020202020204" pitchFamily="34" charset="0"/>
-                <a:cs typeface="Arial" panose="020B0604020202020204" pitchFamily="34" charset="0"/>
-              </a:rPr>
-              <a:t>Reduction Hierarchy </a:t>
-            </a:r>
-            <a:r>
-              <a:rPr lang="en-US" altLang="en-US">
-                <a:solidFill>
-                  <a:srgbClr val="333399"/>
-                </a:solidFill>
-                <a:latin typeface="Arial" panose="020B0604020202020204" pitchFamily="34" charset="0"/>
-                <a:cs typeface="Arial" panose="020B0604020202020204" pitchFamily="34" charset="0"/>
-              </a:rPr>
-              <a:t>&amp; </a:t>
-            </a:r>
-            <a:r>
-              <a:rPr lang="en-US" altLang="en-US" smtClean="0">
-                <a:solidFill>
-                  <a:srgbClr val="333399"/>
-                </a:solidFill>
-                <a:latin typeface="Arial" panose="020B0604020202020204" pitchFamily="34" charset="0"/>
-                <a:cs typeface="Arial" panose="020B0604020202020204" pitchFamily="34" charset="0"/>
-              </a:rPr>
-              <a:t>Hierarchy of Effectiveness</a:t>
+              <a:t>&amp; Hierarchy of Effectiveness</a:t>
             </a:r>
             <a:endParaRPr lang="en-US" altLang="en-US" dirty="0">
               <a:solidFill>
@@ -16007,7 +16230,7 @@
               <a:defRPr/>
             </a:pPr>
             <a:r>
-              <a:rPr kumimoji="0" lang="en-US" altLang="en-US" sz="2400" b="0" i="0" u="none" strike="noStrike" kern="1200" cap="none" spc="0" normalizeH="0" baseline="0" noProof="0" dirty="0" smtClean="0">
+              <a:rPr kumimoji="0" lang="en-US" altLang="en-US" sz="2400" b="0" i="0" u="none" strike="noStrike" kern="1200" cap="none" spc="0" normalizeH="0" baseline="0" noProof="0" dirty="0">
                 <a:ln>
                   <a:noFill/>
                 </a:ln>
@@ -16031,17 +16254,7 @@
                 <a:latin typeface="Arial" panose="020B0604020202020204" pitchFamily="34" charset="0"/>
                 <a:cs typeface="Arial" panose="020B0604020202020204" pitchFamily="34" charset="0"/>
               </a:rPr>
-              <a:t> </a:t>
-            </a:r>
-            <a:r>
-              <a:rPr lang="en-US" altLang="en-US" sz="2400" dirty="0" smtClean="0">
-                <a:solidFill>
-                  <a:srgbClr val="333399"/>
-                </a:solidFill>
-                <a:latin typeface="Arial" panose="020B0604020202020204" pitchFamily="34" charset="0"/>
-                <a:cs typeface="Arial" panose="020B0604020202020204" pitchFamily="34" charset="0"/>
-              </a:rPr>
-              <a:t>of Application of ANSI Z10-21012:</a:t>
+              <a:t> of Application of ANSI Z10-21012:</a:t>
             </a:r>
             <a:endParaRPr kumimoji="0" lang="en-US" altLang="en-US" sz="2400" b="0" i="0" u="none" strike="noStrike" kern="1200" cap="none" spc="0" normalizeH="0" baseline="0" noProof="0" dirty="0">
               <a:ln>
@@ -18281,7 +18494,7 @@
                         <a:buNone/>
                       </a:pPr>
                       <a:r>
-                        <a:rPr lang="en-US" sz="1600" b="1" dirty="0" smtClean="0">
+                        <a:rPr lang="en-US" sz="1600" b="1" dirty="0">
                           <a:solidFill>
                             <a:schemeClr val="tx1"/>
                           </a:solidFill>
@@ -18453,22 +18666,10 @@
                           <a:cs typeface="Arial"/>
                           <a:sym typeface="Arial"/>
                         </a:rPr>
-                        <a:t>Train workers to observe warning </a:t>
+                        <a:t>Train workers to observe warning signs, labels, alarms,</a:t>
                       </a:r>
                       <a:r>
-                        <a:rPr lang="en-US" sz="1600" b="1" dirty="0" smtClean="0">
-                          <a:solidFill>
-                            <a:schemeClr val="tx1"/>
-                          </a:solidFill>
-                          <a:latin typeface="Arial"/>
-                          <a:ea typeface="Arial"/>
-                          <a:cs typeface="Arial"/>
-                          <a:sym typeface="Arial"/>
-                        </a:rPr>
-                        <a:t>signs, labels, alarms,</a:t>
-                      </a:r>
-                      <a:r>
-                        <a:rPr lang="en-US" sz="1600" b="1" baseline="0" dirty="0" smtClean="0">
+                        <a:rPr lang="en-US" sz="1600" b="1" baseline="0" dirty="0">
                           <a:solidFill>
                             <a:schemeClr val="tx1"/>
                           </a:solidFill>
@@ -19516,7 +19717,7 @@
               <a:defRPr/>
             </a:pPr>
             <a:r>
-              <a:rPr lang="en-US" altLang="en-US" b="1" dirty="0" smtClean="0">
+              <a:rPr lang="en-US" altLang="en-US" b="1" dirty="0">
                 <a:solidFill>
                   <a:srgbClr val="000000"/>
                 </a:solidFill>
@@ -19524,18 +19725,7 @@
                 <a:ea typeface="ＭＳ Ｐゴシック" panose="020B0600070205080204" pitchFamily="34" charset="-128"/>
                 <a:cs typeface="Arial" panose="020B0604020202020204" pitchFamily="34" charset="0"/>
               </a:rPr>
-              <a:t>Apply </a:t>
-            </a:r>
-            <a:r>
-              <a:rPr lang="en-US" altLang="en-US" b="1" dirty="0">
-                <a:solidFill>
-                  <a:srgbClr val="000000"/>
-                </a:solidFill>
-                <a:latin typeface="Arial" panose="020B0604020202020204" pitchFamily="34" charset="0"/>
-                <a:ea typeface="ＭＳ Ｐゴシック" panose="020B0600070205080204" pitchFamily="34" charset="-128"/>
-                <a:cs typeface="Arial" panose="020B0604020202020204" pitchFamily="34" charset="0"/>
-              </a:rPr>
-              <a:t>AB OH&amp;S Code Part 2 to Spray-Patch Crew</a:t>
+              <a:t>Apply AB OH&amp;S Code Part 2 to Spray-Patch Crew</a:t>
             </a:r>
           </a:p>
           <a:p>
@@ -19557,7 +19747,7 @@
               <a:defRPr/>
             </a:pPr>
             <a:r>
-              <a:rPr lang="en-US" altLang="en-US" b="1" dirty="0" smtClean="0">
+              <a:rPr lang="en-US" altLang="en-US" b="1" dirty="0">
                 <a:solidFill>
                   <a:srgbClr val="000000"/>
                 </a:solidFill>
@@ -19565,40 +19755,7 @@
                 <a:ea typeface="ＭＳ Ｐゴシック" panose="020B0600070205080204" pitchFamily="34" charset="-128"/>
                 <a:cs typeface="Arial" panose="020B0604020202020204" pitchFamily="34" charset="0"/>
               </a:rPr>
-              <a:t>Apply </a:t>
-            </a:r>
-            <a:r>
-              <a:rPr lang="en-US" altLang="en-US" b="1" dirty="0">
-                <a:solidFill>
-                  <a:srgbClr val="000000"/>
-                </a:solidFill>
-                <a:latin typeface="Arial" panose="020B0604020202020204" pitchFamily="34" charset="0"/>
-                <a:ea typeface="ＭＳ Ｐゴシック" panose="020B0600070205080204" pitchFamily="34" charset="-128"/>
-                <a:cs typeface="Arial" panose="020B0604020202020204" pitchFamily="34" charset="0"/>
-              </a:rPr>
-              <a:t>ANSI Z10 to </a:t>
-            </a:r>
-            <a:r>
-              <a:rPr lang="en-US" altLang="en-US" b="1" dirty="0" err="1">
-                <a:solidFill>
-                  <a:srgbClr val="000000"/>
-                </a:solidFill>
-                <a:latin typeface="Arial" panose="020B0604020202020204" pitchFamily="34" charset="0"/>
-                <a:ea typeface="ＭＳ Ｐゴシック" panose="020B0600070205080204" pitchFamily="34" charset="-128"/>
-                <a:cs typeface="Arial" panose="020B0604020202020204" pitchFamily="34" charset="0"/>
-              </a:rPr>
-              <a:t>Fernie</a:t>
-            </a:r>
-            <a:r>
-              <a:rPr lang="en-US" altLang="en-US" b="1" dirty="0">
-                <a:solidFill>
-                  <a:srgbClr val="000000"/>
-                </a:solidFill>
-                <a:latin typeface="Arial" panose="020B0604020202020204" pitchFamily="34" charset="0"/>
-                <a:ea typeface="ＭＳ Ｐゴシック" panose="020B0600070205080204" pitchFamily="34" charset="-128"/>
-                <a:cs typeface="Arial" panose="020B0604020202020204" pitchFamily="34" charset="0"/>
-              </a:rPr>
-              <a:t> Arena Refrigeration System</a:t>
+              <a:t>Apply ANSI Z10 to Fernie Arena Refrigeration System</a:t>
             </a:r>
           </a:p>
           <a:p>
@@ -19620,7 +19777,7 @@
               <a:defRPr/>
             </a:pPr>
             <a:r>
-              <a:rPr kumimoji="0" lang="en-CA" altLang="en-US" sz="2000" b="0" i="0" u="none" strike="noStrike" kern="1200" cap="none" spc="0" normalizeH="0" baseline="0" noProof="0" dirty="0" smtClean="0">
+              <a:rPr kumimoji="0" lang="en-CA" altLang="en-US" sz="2000" b="0" i="0" u="none" strike="noStrike" kern="1200" cap="none" spc="0" normalizeH="0" baseline="0" noProof="0" dirty="0">
                 <a:ln>
                   <a:noFill/>
                 </a:ln>
@@ -19637,7 +19794,7 @@
               <a:t>The intent is to give</a:t>
             </a:r>
             <a:r>
-              <a:rPr kumimoji="0" lang="en-CA" altLang="en-US" sz="2000" b="0" i="0" u="none" strike="noStrike" kern="1200" cap="none" spc="0" normalizeH="0" noProof="0" dirty="0" smtClean="0">
+              <a:rPr kumimoji="0" lang="en-CA" altLang="en-US" sz="2000" b="0" i="0" u="none" strike="noStrike" kern="1200" cap="none" spc="0" normalizeH="0" noProof="0" dirty="0">
                 <a:ln>
                   <a:noFill/>
                 </a:ln>
@@ -19897,7 +20054,7 @@
               <a:defRPr/>
             </a:pPr>
             <a:r>
-              <a:rPr kumimoji="0" lang="en-CA" altLang="en-US" sz="2400" b="0" i="0" u="none" strike="noStrike" kern="1200" cap="none" spc="0" normalizeH="0" baseline="0" noProof="0" dirty="0" smtClean="0">
+              <a:rPr kumimoji="0" lang="en-CA" altLang="en-US" sz="2400" b="0" i="0" u="none" strike="noStrike" kern="1200" cap="none" spc="0" normalizeH="0" baseline="0" noProof="0" dirty="0">
                 <a:ln>
                   <a:noFill/>
                 </a:ln>
@@ -19913,20 +20070,6 @@
               </a:rPr>
               <a:t>Intent of These Active Learning Exercises:</a:t>
             </a:r>
-            <a:endParaRPr kumimoji="0" lang="en-CA" altLang="en-US" sz="2400" b="0" i="0" u="none" strike="noStrike" kern="1200" cap="none" spc="0" normalizeH="0" baseline="0" noProof="0" dirty="0">
-              <a:ln>
-                <a:noFill/>
-              </a:ln>
-              <a:solidFill>
-                <a:srgbClr val="333399"/>
-              </a:solidFill>
-              <a:effectLst/>
-              <a:uLnTx/>
-              <a:uFillTx/>
-              <a:latin typeface="Arial" panose="020B0604020202020204" pitchFamily="34" charset="0"/>
-              <a:ea typeface="+mn-ea"/>
-              <a:cs typeface="Arial" panose="020B0604020202020204" pitchFamily="34" charset="0"/>
-            </a:endParaRPr>
           </a:p>
         </p:txBody>
       </p:sp>
